--- a/DsDotNet/src/Doc/Model.pptx
+++ b/DsDotNet/src/Doc/Model.pptx
@@ -105,6 +105,11 @@
       </a:defRPr>
     </a:lvl9pPr>
   </p:defaultTextStyle>
+  <p:extLst>
+    <p:ext uri="{EFAFB233-063F-42B5-8137-9DF3F51BA10A}">
+      <p15:sldGuideLst xmlns:p15="http://schemas.microsoft.com/office/powerpoint/2012/main"/>
+    </p:ext>
+  </p:extLst>
 </p:presentation>
 </file>
 
@@ -255,7 +260,7 @@
           <a:p>
             <a:fld id="{9F8CDE5A-2C84-434F-B18D-0E18F4380B6D}" type="datetimeFigureOut">
               <a:rPr lang="ko-KR" altLang="en-US" smtClean="0"/>
-              <a:t>2022-08-20</a:t>
+              <a:t>2022-08-22</a:t>
             </a:fld>
             <a:endParaRPr lang="ko-KR" altLang="en-US"/>
           </a:p>
@@ -453,7 +458,7 @@
           <a:p>
             <a:fld id="{9F8CDE5A-2C84-434F-B18D-0E18F4380B6D}" type="datetimeFigureOut">
               <a:rPr lang="ko-KR" altLang="en-US" smtClean="0"/>
-              <a:t>2022-08-20</a:t>
+              <a:t>2022-08-22</a:t>
             </a:fld>
             <a:endParaRPr lang="ko-KR" altLang="en-US"/>
           </a:p>
@@ -661,7 +666,7 @@
           <a:p>
             <a:fld id="{9F8CDE5A-2C84-434F-B18D-0E18F4380B6D}" type="datetimeFigureOut">
               <a:rPr lang="ko-KR" altLang="en-US" smtClean="0"/>
-              <a:t>2022-08-20</a:t>
+              <a:t>2022-08-22</a:t>
             </a:fld>
             <a:endParaRPr lang="ko-KR" altLang="en-US"/>
           </a:p>
@@ -859,7 +864,7 @@
           <a:p>
             <a:fld id="{9F8CDE5A-2C84-434F-B18D-0E18F4380B6D}" type="datetimeFigureOut">
               <a:rPr lang="ko-KR" altLang="en-US" smtClean="0"/>
-              <a:t>2022-08-20</a:t>
+              <a:t>2022-08-22</a:t>
             </a:fld>
             <a:endParaRPr lang="ko-KR" altLang="en-US"/>
           </a:p>
@@ -1134,7 +1139,7 @@
           <a:p>
             <a:fld id="{9F8CDE5A-2C84-434F-B18D-0E18F4380B6D}" type="datetimeFigureOut">
               <a:rPr lang="ko-KR" altLang="en-US" smtClean="0"/>
-              <a:t>2022-08-20</a:t>
+              <a:t>2022-08-22</a:t>
             </a:fld>
             <a:endParaRPr lang="ko-KR" altLang="en-US"/>
           </a:p>
@@ -1399,7 +1404,7 @@
           <a:p>
             <a:fld id="{9F8CDE5A-2C84-434F-B18D-0E18F4380B6D}" type="datetimeFigureOut">
               <a:rPr lang="ko-KR" altLang="en-US" smtClean="0"/>
-              <a:t>2022-08-20</a:t>
+              <a:t>2022-08-22</a:t>
             </a:fld>
             <a:endParaRPr lang="ko-KR" altLang="en-US"/>
           </a:p>
@@ -1811,7 +1816,7 @@
           <a:p>
             <a:fld id="{9F8CDE5A-2C84-434F-B18D-0E18F4380B6D}" type="datetimeFigureOut">
               <a:rPr lang="ko-KR" altLang="en-US" smtClean="0"/>
-              <a:t>2022-08-20</a:t>
+              <a:t>2022-08-22</a:t>
             </a:fld>
             <a:endParaRPr lang="ko-KR" altLang="en-US"/>
           </a:p>
@@ -1952,7 +1957,7 @@
           <a:p>
             <a:fld id="{9F8CDE5A-2C84-434F-B18D-0E18F4380B6D}" type="datetimeFigureOut">
               <a:rPr lang="ko-KR" altLang="en-US" smtClean="0"/>
-              <a:t>2022-08-20</a:t>
+              <a:t>2022-08-22</a:t>
             </a:fld>
             <a:endParaRPr lang="ko-KR" altLang="en-US"/>
           </a:p>
@@ -2065,7 +2070,7 @@
           <a:p>
             <a:fld id="{9F8CDE5A-2C84-434F-B18D-0E18F4380B6D}" type="datetimeFigureOut">
               <a:rPr lang="ko-KR" altLang="en-US" smtClean="0"/>
-              <a:t>2022-08-20</a:t>
+              <a:t>2022-08-22</a:t>
             </a:fld>
             <a:endParaRPr lang="ko-KR" altLang="en-US"/>
           </a:p>
@@ -2376,7 +2381,7 @@
           <a:p>
             <a:fld id="{9F8CDE5A-2C84-434F-B18D-0E18F4380B6D}" type="datetimeFigureOut">
               <a:rPr lang="ko-KR" altLang="en-US" smtClean="0"/>
-              <a:t>2022-08-20</a:t>
+              <a:t>2022-08-22</a:t>
             </a:fld>
             <a:endParaRPr lang="ko-KR" altLang="en-US"/>
           </a:p>
@@ -2664,7 +2669,7 @@
           <a:p>
             <a:fld id="{9F8CDE5A-2C84-434F-B18D-0E18F4380B6D}" type="datetimeFigureOut">
               <a:rPr lang="ko-KR" altLang="en-US" smtClean="0"/>
-              <a:t>2022-08-20</a:t>
+              <a:t>2022-08-22</a:t>
             </a:fld>
             <a:endParaRPr lang="ko-KR" altLang="en-US"/>
           </a:p>
@@ -2905,7 +2910,7 @@
           <a:p>
             <a:fld id="{9F8CDE5A-2C84-434F-B18D-0E18F4380B6D}" type="datetimeFigureOut">
               <a:rPr lang="ko-KR" altLang="en-US" smtClean="0"/>
-              <a:t>2022-08-20</a:t>
+              <a:t>2022-08-22</a:t>
             </a:fld>
             <a:endParaRPr lang="ko-KR" altLang="en-US"/>
           </a:p>
@@ -3441,7 +3446,7 @@
         </p:nvSpPr>
         <p:spPr>
           <a:xfrm>
-            <a:off x="4762227" y="2647132"/>
+            <a:off x="3050177" y="2586172"/>
             <a:ext cx="762000" cy="600075"/>
           </a:xfrm>
           <a:prstGeom prst="ellipse">
@@ -3489,7 +3494,7 @@
         </p:nvSpPr>
         <p:spPr>
           <a:xfrm>
-            <a:off x="2550250" y="2647133"/>
+            <a:off x="838200" y="2586173"/>
             <a:ext cx="762000" cy="600075"/>
           </a:xfrm>
           <a:prstGeom prst="ellipse">
@@ -3537,7 +3542,7 @@
         </p:nvSpPr>
         <p:spPr>
           <a:xfrm>
-            <a:off x="6884125" y="2647131"/>
+            <a:off x="5172075" y="2586171"/>
             <a:ext cx="762000" cy="600075"/>
           </a:xfrm>
           <a:prstGeom prst="ellipse">
@@ -3585,7 +3590,7 @@
         </p:nvSpPr>
         <p:spPr>
           <a:xfrm>
-            <a:off x="4762227" y="4236307"/>
+            <a:off x="3050177" y="4175347"/>
             <a:ext cx="762000" cy="600075"/>
           </a:xfrm>
           <a:prstGeom prst="ellipse">
@@ -3633,7 +3638,7 @@
         </p:nvSpPr>
         <p:spPr>
           <a:xfrm>
-            <a:off x="2550250" y="4236308"/>
+            <a:off x="838200" y="4175348"/>
             <a:ext cx="762000" cy="600075"/>
           </a:xfrm>
           <a:prstGeom prst="ellipse">
@@ -3681,7 +3686,7 @@
         </p:nvSpPr>
         <p:spPr>
           <a:xfrm>
-            <a:off x="6884125" y="4236306"/>
+            <a:off x="5172075" y="4175346"/>
             <a:ext cx="762000" cy="600075"/>
           </a:xfrm>
           <a:prstGeom prst="ellipse">
@@ -3732,7 +3737,7 @@
         </p:nvCxnSpPr>
         <p:spPr>
           <a:xfrm>
-            <a:off x="2931250" y="3247208"/>
+            <a:off x="1219200" y="3186248"/>
             <a:ext cx="0" cy="989100"/>
           </a:xfrm>
           <a:prstGeom prst="straightConnector1">
@@ -3777,7 +3782,7 @@
         </p:nvCxnSpPr>
         <p:spPr>
           <a:xfrm>
-            <a:off x="3200658" y="3159329"/>
+            <a:off x="1488608" y="3098369"/>
             <a:ext cx="1673161" cy="1164857"/>
           </a:xfrm>
           <a:prstGeom prst="straightConnector1">
@@ -3822,7 +3827,7 @@
         </p:nvCxnSpPr>
         <p:spPr>
           <a:xfrm flipV="1">
-            <a:off x="3200658" y="3159328"/>
+            <a:off x="1488608" y="3098368"/>
             <a:ext cx="1673161" cy="1164859"/>
           </a:xfrm>
           <a:prstGeom prst="straightConnector1">
@@ -3867,7 +3872,7 @@
         </p:nvCxnSpPr>
         <p:spPr>
           <a:xfrm>
-            <a:off x="5412635" y="3159328"/>
+            <a:off x="3700585" y="3098368"/>
             <a:ext cx="1583082" cy="1164857"/>
           </a:xfrm>
           <a:prstGeom prst="straightConnector1">
@@ -3912,7 +3917,7 @@
         </p:nvCxnSpPr>
         <p:spPr>
           <a:xfrm flipV="1">
-            <a:off x="5412635" y="3159327"/>
+            <a:off x="3700585" y="3098367"/>
             <a:ext cx="1583082" cy="1164859"/>
           </a:xfrm>
           <a:prstGeom prst="straightConnector1">
@@ -3956,7 +3961,7 @@
         </p:nvCxnSpPr>
         <p:spPr>
           <a:xfrm flipV="1">
-            <a:off x="3312250" y="2947170"/>
+            <a:off x="1600200" y="2886210"/>
             <a:ext cx="1449977" cy="1"/>
           </a:xfrm>
           <a:prstGeom prst="straightConnector1">
@@ -3999,7 +4004,7 @@
         </p:nvCxnSpPr>
         <p:spPr>
           <a:xfrm flipV="1">
-            <a:off x="5524227" y="2947169"/>
+            <a:off x="3812177" y="2886209"/>
             <a:ext cx="1359898" cy="1"/>
           </a:xfrm>
           <a:prstGeom prst="straightConnector1">
@@ -4042,7 +4047,7 @@
         </p:nvCxnSpPr>
         <p:spPr>
           <a:xfrm flipV="1">
-            <a:off x="5524227" y="4536344"/>
+            <a:off x="3812177" y="4475384"/>
             <a:ext cx="1359898" cy="1"/>
           </a:xfrm>
           <a:prstGeom prst="straightConnector1">
@@ -4085,8 +4090,371 @@
         </p:nvCxnSpPr>
         <p:spPr>
           <a:xfrm flipV="1">
-            <a:off x="3312250" y="4536345"/>
+            <a:off x="1600200" y="4475385"/>
             <a:ext cx="1449977" cy="1"/>
+          </a:xfrm>
+          <a:prstGeom prst="straightConnector1">
+            <a:avLst/>
+          </a:prstGeom>
+          <a:ln>
+            <a:tailEnd type="triangle"/>
+          </a:ln>
+        </p:spPr>
+        <p:style>
+          <a:lnRef idx="1">
+            <a:schemeClr val="accent1"/>
+          </a:lnRef>
+          <a:fillRef idx="0">
+            <a:schemeClr val="accent1"/>
+          </a:fillRef>
+          <a:effectRef idx="0">
+            <a:schemeClr val="accent1"/>
+          </a:effectRef>
+          <a:fontRef idx="minor">
+            <a:schemeClr val="tx1"/>
+          </a:fontRef>
+        </p:style>
+      </p:cxnSp>
+      <p:sp>
+        <p:nvSpPr>
+          <p:cNvPr id="10" name="타원 9">
+            <a:extLst>
+              <a:ext uri="{FF2B5EF4-FFF2-40B4-BE49-F238E27FC236}">
+                <a16:creationId xmlns:a16="http://schemas.microsoft.com/office/drawing/2014/main" id="{923846BB-00AB-D9F3-5C77-0FFBBC7DC985}"/>
+              </a:ext>
+            </a:extLst>
+          </p:cNvPr>
+          <p:cNvSpPr/>
+          <p:nvPr/>
+        </p:nvSpPr>
+        <p:spPr>
+          <a:xfrm>
+            <a:off x="8743950" y="2632979"/>
+            <a:ext cx="762000" cy="600075"/>
+          </a:xfrm>
+          <a:prstGeom prst="ellipse">
+            <a:avLst/>
+          </a:prstGeom>
+        </p:spPr>
+        <p:style>
+          <a:lnRef idx="1">
+            <a:schemeClr val="accent5"/>
+          </a:lnRef>
+          <a:fillRef idx="2">
+            <a:schemeClr val="accent5"/>
+          </a:fillRef>
+          <a:effectRef idx="1">
+            <a:schemeClr val="accent5"/>
+          </a:effectRef>
+          <a:fontRef idx="minor">
+            <a:schemeClr val="dk1"/>
+          </a:fontRef>
+        </p:style>
+        <p:txBody>
+          <a:bodyPr rtlCol="0" anchor="ctr"/>
+          <a:lstStyle/>
+          <a:p>
+            <a:pPr algn="ctr"/>
+            <a:r>
+              <a:rPr lang="en-US" altLang="ko-KR" dirty="0"/>
+              <a:t>A-</a:t>
+            </a:r>
+            <a:endParaRPr lang="ko-KR" altLang="en-US" dirty="0"/>
+          </a:p>
+        </p:txBody>
+      </p:sp>
+      <p:sp>
+        <p:nvSpPr>
+          <p:cNvPr id="13" name="타원 12">
+            <a:extLst>
+              <a:ext uri="{FF2B5EF4-FFF2-40B4-BE49-F238E27FC236}">
+                <a16:creationId xmlns:a16="http://schemas.microsoft.com/office/drawing/2014/main" id="{B7F40FBF-D472-B80B-4302-626F7DFAA114}"/>
+              </a:ext>
+            </a:extLst>
+          </p:cNvPr>
+          <p:cNvSpPr/>
+          <p:nvPr/>
+        </p:nvSpPr>
+        <p:spPr>
+          <a:xfrm>
+            <a:off x="7347857" y="3287213"/>
+            <a:ext cx="762000" cy="600075"/>
+          </a:xfrm>
+          <a:prstGeom prst="ellipse">
+            <a:avLst/>
+          </a:prstGeom>
+        </p:spPr>
+        <p:style>
+          <a:lnRef idx="1">
+            <a:schemeClr val="accent5"/>
+          </a:lnRef>
+          <a:fillRef idx="2">
+            <a:schemeClr val="accent5"/>
+          </a:fillRef>
+          <a:effectRef idx="1">
+            <a:schemeClr val="accent5"/>
+          </a:effectRef>
+          <a:fontRef idx="minor">
+            <a:schemeClr val="dk1"/>
+          </a:fontRef>
+        </p:style>
+        <p:txBody>
+          <a:bodyPr rtlCol="0" anchor="ctr"/>
+          <a:lstStyle/>
+          <a:p>
+            <a:pPr algn="ctr"/>
+            <a:r>
+              <a:rPr lang="en-US" altLang="ko-KR" dirty="0"/>
+              <a:t>A+</a:t>
+            </a:r>
+            <a:endParaRPr lang="ko-KR" altLang="en-US" dirty="0"/>
+          </a:p>
+        </p:txBody>
+      </p:sp>
+      <p:cxnSp>
+        <p:nvCxnSpPr>
+          <p:cNvPr id="14" name="직선 화살표 연결선 13">
+            <a:extLst>
+              <a:ext uri="{FF2B5EF4-FFF2-40B4-BE49-F238E27FC236}">
+                <a16:creationId xmlns:a16="http://schemas.microsoft.com/office/drawing/2014/main" id="{AC8F663F-44B1-C300-7057-C49D0CC7D803}"/>
+              </a:ext>
+            </a:extLst>
+          </p:cNvPr>
+          <p:cNvCxnSpPr>
+            <a:stCxn id="13" idx="6"/>
+            <a:endCxn id="10" idx="2"/>
+          </p:cNvCxnSpPr>
+          <p:nvPr/>
+        </p:nvCxnSpPr>
+        <p:spPr>
+          <a:xfrm flipV="1">
+            <a:off x="8109857" y="2933017"/>
+            <a:ext cx="634093" cy="654234"/>
+          </a:xfrm>
+          <a:prstGeom prst="straightConnector1">
+            <a:avLst/>
+          </a:prstGeom>
+          <a:ln>
+            <a:tailEnd type="triangle"/>
+          </a:ln>
+        </p:spPr>
+        <p:style>
+          <a:lnRef idx="1">
+            <a:schemeClr val="accent1"/>
+          </a:lnRef>
+          <a:fillRef idx="0">
+            <a:schemeClr val="accent1"/>
+          </a:fillRef>
+          <a:effectRef idx="0">
+            <a:schemeClr val="accent1"/>
+          </a:effectRef>
+          <a:fontRef idx="minor">
+            <a:schemeClr val="tx1"/>
+          </a:fontRef>
+        </p:style>
+      </p:cxnSp>
+      <p:sp>
+        <p:nvSpPr>
+          <p:cNvPr id="16" name="타원 15">
+            <a:extLst>
+              <a:ext uri="{FF2B5EF4-FFF2-40B4-BE49-F238E27FC236}">
+                <a16:creationId xmlns:a16="http://schemas.microsoft.com/office/drawing/2014/main" id="{4B08A90B-9467-33BE-655A-4167185AD90B}"/>
+              </a:ext>
+            </a:extLst>
+          </p:cNvPr>
+          <p:cNvSpPr/>
+          <p:nvPr/>
+        </p:nvSpPr>
+        <p:spPr>
+          <a:xfrm>
+            <a:off x="8743950" y="4199294"/>
+            <a:ext cx="762000" cy="600075"/>
+          </a:xfrm>
+          <a:prstGeom prst="ellipse">
+            <a:avLst/>
+          </a:prstGeom>
+        </p:spPr>
+        <p:style>
+          <a:lnRef idx="1">
+            <a:schemeClr val="accent5"/>
+          </a:lnRef>
+          <a:fillRef idx="2">
+            <a:schemeClr val="accent5"/>
+          </a:fillRef>
+          <a:effectRef idx="1">
+            <a:schemeClr val="accent5"/>
+          </a:effectRef>
+          <a:fontRef idx="minor">
+            <a:schemeClr val="dk1"/>
+          </a:fontRef>
+        </p:style>
+        <p:txBody>
+          <a:bodyPr rtlCol="0" anchor="ctr"/>
+          <a:lstStyle/>
+          <a:p>
+            <a:pPr algn="ctr"/>
+            <a:r>
+              <a:rPr lang="en-US" altLang="ko-KR" dirty="0"/>
+              <a:t>B+</a:t>
+            </a:r>
+            <a:endParaRPr lang="ko-KR" altLang="en-US" dirty="0"/>
+          </a:p>
+        </p:txBody>
+      </p:sp>
+      <p:cxnSp>
+        <p:nvCxnSpPr>
+          <p:cNvPr id="18" name="직선 화살표 연결선 17">
+            <a:extLst>
+              <a:ext uri="{FF2B5EF4-FFF2-40B4-BE49-F238E27FC236}">
+                <a16:creationId xmlns:a16="http://schemas.microsoft.com/office/drawing/2014/main" id="{0D343FF2-BB60-A853-7D78-5C3ABB97BD88}"/>
+              </a:ext>
+            </a:extLst>
+          </p:cNvPr>
+          <p:cNvCxnSpPr>
+            <a:cxnSpLocks/>
+            <a:stCxn id="13" idx="6"/>
+            <a:endCxn id="16" idx="2"/>
+          </p:cNvCxnSpPr>
+          <p:nvPr/>
+        </p:nvCxnSpPr>
+        <p:spPr>
+          <a:xfrm>
+            <a:off x="8109857" y="3587251"/>
+            <a:ext cx="634093" cy="912081"/>
+          </a:xfrm>
+          <a:prstGeom prst="straightConnector1">
+            <a:avLst/>
+          </a:prstGeom>
+          <a:ln>
+            <a:tailEnd type="triangle"/>
+          </a:ln>
+        </p:spPr>
+        <p:style>
+          <a:lnRef idx="1">
+            <a:schemeClr val="accent1"/>
+          </a:lnRef>
+          <a:fillRef idx="0">
+            <a:schemeClr val="accent1"/>
+          </a:fillRef>
+          <a:effectRef idx="0">
+            <a:schemeClr val="accent1"/>
+          </a:effectRef>
+          <a:fontRef idx="minor">
+            <a:schemeClr val="tx1"/>
+          </a:fontRef>
+        </p:style>
+      </p:cxnSp>
+      <p:sp>
+        <p:nvSpPr>
+          <p:cNvPr id="22" name="타원 21">
+            <a:extLst>
+              <a:ext uri="{FF2B5EF4-FFF2-40B4-BE49-F238E27FC236}">
+                <a16:creationId xmlns:a16="http://schemas.microsoft.com/office/drawing/2014/main" id="{3FC29812-0A4B-4497-E5FD-22390F7F6A13}"/>
+              </a:ext>
+            </a:extLst>
+          </p:cNvPr>
+          <p:cNvSpPr/>
+          <p:nvPr/>
+        </p:nvSpPr>
+        <p:spPr>
+          <a:xfrm>
+            <a:off x="10157732" y="3287213"/>
+            <a:ext cx="762000" cy="600075"/>
+          </a:xfrm>
+          <a:prstGeom prst="ellipse">
+            <a:avLst/>
+          </a:prstGeom>
+        </p:spPr>
+        <p:style>
+          <a:lnRef idx="1">
+            <a:schemeClr val="accent5"/>
+          </a:lnRef>
+          <a:fillRef idx="2">
+            <a:schemeClr val="accent5"/>
+          </a:fillRef>
+          <a:effectRef idx="1">
+            <a:schemeClr val="accent5"/>
+          </a:effectRef>
+          <a:fontRef idx="minor">
+            <a:schemeClr val="dk1"/>
+          </a:fontRef>
+        </p:style>
+        <p:txBody>
+          <a:bodyPr rtlCol="0" anchor="ctr"/>
+          <a:lstStyle/>
+          <a:p>
+            <a:pPr algn="ctr"/>
+            <a:r>
+              <a:rPr lang="en-US" altLang="ko-KR" dirty="0"/>
+              <a:t>B-</a:t>
+            </a:r>
+            <a:endParaRPr lang="ko-KR" altLang="en-US" dirty="0"/>
+          </a:p>
+        </p:txBody>
+      </p:sp>
+      <p:cxnSp>
+        <p:nvCxnSpPr>
+          <p:cNvPr id="23" name="직선 화살표 연결선 22">
+            <a:extLst>
+              <a:ext uri="{FF2B5EF4-FFF2-40B4-BE49-F238E27FC236}">
+                <a16:creationId xmlns:a16="http://schemas.microsoft.com/office/drawing/2014/main" id="{6DECDACF-8FE6-1C6A-3449-1A56AE5DDC6D}"/>
+              </a:ext>
+            </a:extLst>
+          </p:cNvPr>
+          <p:cNvCxnSpPr>
+            <a:cxnSpLocks/>
+            <a:stCxn id="10" idx="6"/>
+            <a:endCxn id="22" idx="2"/>
+          </p:cNvCxnSpPr>
+          <p:nvPr/>
+        </p:nvCxnSpPr>
+        <p:spPr>
+          <a:xfrm>
+            <a:off x="9505950" y="2933017"/>
+            <a:ext cx="651782" cy="654234"/>
+          </a:xfrm>
+          <a:prstGeom prst="straightConnector1">
+            <a:avLst/>
+          </a:prstGeom>
+          <a:ln>
+            <a:tailEnd type="triangle"/>
+          </a:ln>
+        </p:spPr>
+        <p:style>
+          <a:lnRef idx="1">
+            <a:schemeClr val="accent1"/>
+          </a:lnRef>
+          <a:fillRef idx="0">
+            <a:schemeClr val="accent1"/>
+          </a:fillRef>
+          <a:effectRef idx="0">
+            <a:schemeClr val="accent1"/>
+          </a:effectRef>
+          <a:fontRef idx="minor">
+            <a:schemeClr val="tx1"/>
+          </a:fontRef>
+        </p:style>
+      </p:cxnSp>
+      <p:cxnSp>
+        <p:nvCxnSpPr>
+          <p:cNvPr id="25" name="직선 화살표 연결선 24">
+            <a:extLst>
+              <a:ext uri="{FF2B5EF4-FFF2-40B4-BE49-F238E27FC236}">
+                <a16:creationId xmlns:a16="http://schemas.microsoft.com/office/drawing/2014/main" id="{F3C72627-8051-1E44-19F4-92E693596BA1}"/>
+              </a:ext>
+            </a:extLst>
+          </p:cNvPr>
+          <p:cNvCxnSpPr>
+            <a:cxnSpLocks/>
+            <a:stCxn id="16" idx="6"/>
+            <a:endCxn id="22" idx="2"/>
+          </p:cNvCxnSpPr>
+          <p:nvPr/>
+        </p:nvCxnSpPr>
+        <p:spPr>
+          <a:xfrm flipV="1">
+            <a:off x="9505950" y="3587251"/>
+            <a:ext cx="651782" cy="912081"/>
           </a:xfrm>
           <a:prstGeom prst="straightConnector1">
             <a:avLst/>

--- a/DsDotNet/src/Doc/Model.pptx
+++ b/DsDotNet/src/Doc/Model.pptx
@@ -7,9 +7,10 @@
   <p:sldIdLst>
     <p:sldId id="256" r:id="rId2"/>
     <p:sldId id="257" r:id="rId3"/>
+    <p:sldId id="258" r:id="rId4"/>
   </p:sldIdLst>
   <p:sldSz cx="12192000" cy="6858000"/>
-  <p:notesSz cx="6858000" cy="9144000"/>
+  <p:notesSz cx="6797675" cy="9926638"/>
   <p:defaultTextStyle>
     <a:defPPr>
       <a:defRPr lang="ko-KR"/>
@@ -4491,6 +4492,3056 @@
 </p:sld>
 </file>
 
+<file path=ppt/slides/slide3.xml><?xml version="1.0" encoding="utf-8"?>
+<p:sld xmlns:a="http://schemas.openxmlformats.org/drawingml/2006/main" xmlns:r="http://schemas.openxmlformats.org/officeDocument/2006/relationships" xmlns:p="http://schemas.openxmlformats.org/presentationml/2006/main">
+  <p:cSld>
+    <p:spTree>
+      <p:nvGrpSpPr>
+        <p:cNvPr id="1" name=""/>
+        <p:cNvGrpSpPr/>
+        <p:nvPr/>
+      </p:nvGrpSpPr>
+      <p:grpSpPr>
+        <a:xfrm>
+          <a:off x="0" y="0"/>
+          <a:ext cx="0" cy="0"/>
+          <a:chOff x="0" y="0"/>
+          <a:chExt cx="0" cy="0"/>
+        </a:xfrm>
+      </p:grpSpPr>
+      <p:sp>
+        <p:nvSpPr>
+          <p:cNvPr id="4" name="타원 3">
+            <a:extLst>
+              <a:ext uri="{FF2B5EF4-FFF2-40B4-BE49-F238E27FC236}">
+                <a16:creationId xmlns:a16="http://schemas.microsoft.com/office/drawing/2014/main" id="{26F14F98-08F5-7548-C261-072AF2C756CB}"/>
+              </a:ext>
+            </a:extLst>
+          </p:cNvPr>
+          <p:cNvSpPr/>
+          <p:nvPr/>
+        </p:nvSpPr>
+        <p:spPr>
+          <a:xfrm>
+            <a:off x="1981200" y="2586172"/>
+            <a:ext cx="762000" cy="600075"/>
+          </a:xfrm>
+          <a:prstGeom prst="ellipse">
+            <a:avLst/>
+          </a:prstGeom>
+        </p:spPr>
+        <p:style>
+          <a:lnRef idx="1">
+            <a:schemeClr val="accent5"/>
+          </a:lnRef>
+          <a:fillRef idx="2">
+            <a:schemeClr val="accent5"/>
+          </a:fillRef>
+          <a:effectRef idx="1">
+            <a:schemeClr val="accent5"/>
+          </a:effectRef>
+          <a:fontRef idx="minor">
+            <a:schemeClr val="dk1"/>
+          </a:fontRef>
+        </p:style>
+        <p:txBody>
+          <a:bodyPr rtlCol="0" anchor="ctr"/>
+          <a:lstStyle/>
+          <a:p>
+            <a:pPr algn="ctr"/>
+            <a:r>
+              <a:rPr lang="en-US" altLang="ko-KR" dirty="0"/>
+              <a:t>P+</a:t>
+            </a:r>
+            <a:endParaRPr lang="ko-KR" altLang="en-US" dirty="0"/>
+          </a:p>
+        </p:txBody>
+      </p:sp>
+      <p:sp>
+        <p:nvSpPr>
+          <p:cNvPr id="5" name="타원 4">
+            <a:extLst>
+              <a:ext uri="{FF2B5EF4-FFF2-40B4-BE49-F238E27FC236}">
+                <a16:creationId xmlns:a16="http://schemas.microsoft.com/office/drawing/2014/main" id="{04DBC81A-E981-980F-47D0-8359F66698DF}"/>
+              </a:ext>
+            </a:extLst>
+          </p:cNvPr>
+          <p:cNvSpPr/>
+          <p:nvPr/>
+        </p:nvSpPr>
+        <p:spPr>
+          <a:xfrm>
+            <a:off x="838200" y="2586173"/>
+            <a:ext cx="762000" cy="600075"/>
+          </a:xfrm>
+          <a:prstGeom prst="ellipse">
+            <a:avLst/>
+          </a:prstGeom>
+        </p:spPr>
+        <p:style>
+          <a:lnRef idx="1">
+            <a:schemeClr val="accent5"/>
+          </a:lnRef>
+          <a:fillRef idx="2">
+            <a:schemeClr val="accent5"/>
+          </a:fillRef>
+          <a:effectRef idx="1">
+            <a:schemeClr val="accent5"/>
+          </a:effectRef>
+          <a:fontRef idx="minor">
+            <a:schemeClr val="dk1"/>
+          </a:fontRef>
+        </p:style>
+        <p:txBody>
+          <a:bodyPr rtlCol="0" anchor="ctr"/>
+          <a:lstStyle/>
+          <a:p>
+            <a:pPr algn="ctr"/>
+            <a:r>
+              <a:rPr lang="en-US" altLang="ko-KR" dirty="0"/>
+              <a:t>V+</a:t>
+            </a:r>
+            <a:endParaRPr lang="ko-KR" altLang="en-US" dirty="0"/>
+          </a:p>
+        </p:txBody>
+      </p:sp>
+      <p:sp>
+        <p:nvSpPr>
+          <p:cNvPr id="6" name="타원 5">
+            <a:extLst>
+              <a:ext uri="{FF2B5EF4-FFF2-40B4-BE49-F238E27FC236}">
+                <a16:creationId xmlns:a16="http://schemas.microsoft.com/office/drawing/2014/main" id="{2C557BCA-7779-D7FF-3B27-75D85E5FF0C4}"/>
+              </a:ext>
+            </a:extLst>
+          </p:cNvPr>
+          <p:cNvSpPr/>
+          <p:nvPr/>
+        </p:nvSpPr>
+        <p:spPr>
+          <a:xfrm>
+            <a:off x="3196325" y="2586171"/>
+            <a:ext cx="762000" cy="600075"/>
+          </a:xfrm>
+          <a:prstGeom prst="ellipse">
+            <a:avLst/>
+          </a:prstGeom>
+        </p:spPr>
+        <p:style>
+          <a:lnRef idx="1">
+            <a:schemeClr val="accent5"/>
+          </a:lnRef>
+          <a:fillRef idx="2">
+            <a:schemeClr val="accent5"/>
+          </a:fillRef>
+          <a:effectRef idx="1">
+            <a:schemeClr val="accent5"/>
+          </a:effectRef>
+          <a:fontRef idx="minor">
+            <a:schemeClr val="dk1"/>
+          </a:fontRef>
+        </p:style>
+        <p:txBody>
+          <a:bodyPr rtlCol="0" anchor="ctr"/>
+          <a:lstStyle/>
+          <a:p>
+            <a:pPr algn="ctr"/>
+            <a:r>
+              <a:rPr lang="en-US" altLang="ko-KR" dirty="0"/>
+              <a:t>S+</a:t>
+            </a:r>
+            <a:endParaRPr lang="ko-KR" altLang="en-US" dirty="0"/>
+          </a:p>
+        </p:txBody>
+      </p:sp>
+      <p:sp>
+        <p:nvSpPr>
+          <p:cNvPr id="7" name="타원 6">
+            <a:extLst>
+              <a:ext uri="{FF2B5EF4-FFF2-40B4-BE49-F238E27FC236}">
+                <a16:creationId xmlns:a16="http://schemas.microsoft.com/office/drawing/2014/main" id="{C037F8FA-8DDC-05CC-7DB2-243CBBB72981}"/>
+              </a:ext>
+            </a:extLst>
+          </p:cNvPr>
+          <p:cNvSpPr/>
+          <p:nvPr/>
+        </p:nvSpPr>
+        <p:spPr>
+          <a:xfrm>
+            <a:off x="1981200" y="3481653"/>
+            <a:ext cx="762000" cy="600075"/>
+          </a:xfrm>
+          <a:prstGeom prst="ellipse">
+            <a:avLst/>
+          </a:prstGeom>
+        </p:spPr>
+        <p:style>
+          <a:lnRef idx="1">
+            <a:schemeClr val="accent5"/>
+          </a:lnRef>
+          <a:fillRef idx="2">
+            <a:schemeClr val="accent5"/>
+          </a:fillRef>
+          <a:effectRef idx="1">
+            <a:schemeClr val="accent5"/>
+          </a:effectRef>
+          <a:fontRef idx="minor">
+            <a:schemeClr val="dk1"/>
+          </a:fontRef>
+        </p:style>
+        <p:txBody>
+          <a:bodyPr rtlCol="0" anchor="ctr"/>
+          <a:lstStyle/>
+          <a:p>
+            <a:pPr algn="ctr"/>
+            <a:r>
+              <a:rPr lang="en-US" altLang="ko-KR" dirty="0">
+                <a:solidFill>
+                  <a:schemeClr val="bg1">
+                    <a:lumMod val="50000"/>
+                  </a:schemeClr>
+                </a:solidFill>
+              </a:rPr>
+              <a:t>P-</a:t>
+            </a:r>
+            <a:endParaRPr lang="ko-KR" altLang="en-US" dirty="0">
+              <a:solidFill>
+                <a:schemeClr val="bg1">
+                  <a:lumMod val="50000"/>
+                </a:schemeClr>
+              </a:solidFill>
+            </a:endParaRPr>
+          </a:p>
+        </p:txBody>
+      </p:sp>
+      <p:sp>
+        <p:nvSpPr>
+          <p:cNvPr id="8" name="타원 7">
+            <a:extLst>
+              <a:ext uri="{FF2B5EF4-FFF2-40B4-BE49-F238E27FC236}">
+                <a16:creationId xmlns:a16="http://schemas.microsoft.com/office/drawing/2014/main" id="{0DF7B344-72D2-2E7D-2429-FCD7D230253E}"/>
+              </a:ext>
+            </a:extLst>
+          </p:cNvPr>
+          <p:cNvSpPr/>
+          <p:nvPr/>
+        </p:nvSpPr>
+        <p:spPr>
+          <a:xfrm>
+            <a:off x="838200" y="3481654"/>
+            <a:ext cx="762000" cy="600075"/>
+          </a:xfrm>
+          <a:prstGeom prst="ellipse">
+            <a:avLst/>
+          </a:prstGeom>
+        </p:spPr>
+        <p:style>
+          <a:lnRef idx="1">
+            <a:schemeClr val="accent5"/>
+          </a:lnRef>
+          <a:fillRef idx="2">
+            <a:schemeClr val="accent5"/>
+          </a:fillRef>
+          <a:effectRef idx="1">
+            <a:schemeClr val="accent5"/>
+          </a:effectRef>
+          <a:fontRef idx="minor">
+            <a:schemeClr val="dk1"/>
+          </a:fontRef>
+        </p:style>
+        <p:txBody>
+          <a:bodyPr rtlCol="0" anchor="ctr"/>
+          <a:lstStyle/>
+          <a:p>
+            <a:pPr algn="ctr"/>
+            <a:r>
+              <a:rPr lang="en-US" altLang="ko-KR" dirty="0">
+                <a:solidFill>
+                  <a:schemeClr val="bg1">
+                    <a:lumMod val="50000"/>
+                  </a:schemeClr>
+                </a:solidFill>
+              </a:rPr>
+              <a:t>V-</a:t>
+            </a:r>
+            <a:endParaRPr lang="ko-KR" altLang="en-US" dirty="0">
+              <a:solidFill>
+                <a:schemeClr val="bg1">
+                  <a:lumMod val="50000"/>
+                </a:schemeClr>
+              </a:solidFill>
+            </a:endParaRPr>
+          </a:p>
+        </p:txBody>
+      </p:sp>
+      <p:sp>
+        <p:nvSpPr>
+          <p:cNvPr id="9" name="타원 8">
+            <a:extLst>
+              <a:ext uri="{FF2B5EF4-FFF2-40B4-BE49-F238E27FC236}">
+                <a16:creationId xmlns:a16="http://schemas.microsoft.com/office/drawing/2014/main" id="{F22B50D0-0F04-00A1-3C20-2A09D52024AE}"/>
+              </a:ext>
+            </a:extLst>
+          </p:cNvPr>
+          <p:cNvSpPr/>
+          <p:nvPr/>
+        </p:nvSpPr>
+        <p:spPr>
+          <a:xfrm>
+            <a:off x="3196325" y="3481652"/>
+            <a:ext cx="762000" cy="600075"/>
+          </a:xfrm>
+          <a:prstGeom prst="ellipse">
+            <a:avLst/>
+          </a:prstGeom>
+        </p:spPr>
+        <p:style>
+          <a:lnRef idx="1">
+            <a:schemeClr val="accent5"/>
+          </a:lnRef>
+          <a:fillRef idx="2">
+            <a:schemeClr val="accent5"/>
+          </a:fillRef>
+          <a:effectRef idx="1">
+            <a:schemeClr val="accent5"/>
+          </a:effectRef>
+          <a:fontRef idx="minor">
+            <a:schemeClr val="dk1"/>
+          </a:fontRef>
+        </p:style>
+        <p:txBody>
+          <a:bodyPr rtlCol="0" anchor="ctr"/>
+          <a:lstStyle/>
+          <a:p>
+            <a:pPr algn="ctr"/>
+            <a:r>
+              <a:rPr lang="en-US" altLang="ko-KR" dirty="0">
+                <a:solidFill>
+                  <a:schemeClr val="bg1">
+                    <a:lumMod val="50000"/>
+                  </a:schemeClr>
+                </a:solidFill>
+              </a:rPr>
+              <a:t>S-</a:t>
+            </a:r>
+            <a:endParaRPr lang="ko-KR" altLang="en-US" dirty="0">
+              <a:solidFill>
+                <a:schemeClr val="bg1">
+                  <a:lumMod val="50000"/>
+                </a:schemeClr>
+              </a:solidFill>
+            </a:endParaRPr>
+          </a:p>
+        </p:txBody>
+      </p:sp>
+      <p:cxnSp>
+        <p:nvCxnSpPr>
+          <p:cNvPr id="11" name="직선 화살표 연결선 10">
+            <a:extLst>
+              <a:ext uri="{FF2B5EF4-FFF2-40B4-BE49-F238E27FC236}">
+                <a16:creationId xmlns:a16="http://schemas.microsoft.com/office/drawing/2014/main" id="{563A5E61-74D0-4C40-D80B-457B5609F8E8}"/>
+              </a:ext>
+            </a:extLst>
+          </p:cNvPr>
+          <p:cNvCxnSpPr>
+            <a:stCxn id="5" idx="4"/>
+            <a:endCxn id="8" idx="0"/>
+          </p:cNvCxnSpPr>
+          <p:nvPr/>
+        </p:nvCxnSpPr>
+        <p:spPr>
+          <a:xfrm>
+            <a:off x="1219200" y="3186248"/>
+            <a:ext cx="0" cy="295406"/>
+          </a:xfrm>
+          <a:prstGeom prst="straightConnector1">
+            <a:avLst/>
+          </a:prstGeom>
+          <a:ln>
+            <a:prstDash val="dash"/>
+            <a:headEnd type="oval" w="med" len="med"/>
+            <a:tailEnd type="oval" w="med" len="med"/>
+          </a:ln>
+        </p:spPr>
+        <p:style>
+          <a:lnRef idx="1">
+            <a:schemeClr val="accent1"/>
+          </a:lnRef>
+          <a:fillRef idx="0">
+            <a:schemeClr val="accent1"/>
+          </a:fillRef>
+          <a:effectRef idx="0">
+            <a:schemeClr val="accent1"/>
+          </a:effectRef>
+          <a:fontRef idx="minor">
+            <a:schemeClr val="tx1"/>
+          </a:fontRef>
+        </p:style>
+      </p:cxnSp>
+      <p:cxnSp>
+        <p:nvCxnSpPr>
+          <p:cNvPr id="12" name="직선 화살표 연결선 11">
+            <a:extLst>
+              <a:ext uri="{FF2B5EF4-FFF2-40B4-BE49-F238E27FC236}">
+                <a16:creationId xmlns:a16="http://schemas.microsoft.com/office/drawing/2014/main" id="{83E35E6D-FEC0-08E7-C541-4CBBBA31CA5E}"/>
+              </a:ext>
+            </a:extLst>
+          </p:cNvPr>
+          <p:cNvCxnSpPr>
+            <a:cxnSpLocks/>
+            <a:stCxn id="5" idx="5"/>
+            <a:endCxn id="7" idx="1"/>
+          </p:cNvCxnSpPr>
+          <p:nvPr/>
+        </p:nvCxnSpPr>
+        <p:spPr>
+          <a:xfrm>
+            <a:off x="1488608" y="3098369"/>
+            <a:ext cx="604184" cy="471163"/>
+          </a:xfrm>
+          <a:prstGeom prst="straightConnector1">
+            <a:avLst/>
+          </a:prstGeom>
+          <a:ln>
+            <a:prstDash val="dash"/>
+            <a:headEnd type="none" w="med" len="med"/>
+            <a:tailEnd type="oval" w="lg" len="lg"/>
+          </a:ln>
+        </p:spPr>
+        <p:style>
+          <a:lnRef idx="1">
+            <a:schemeClr val="accent1"/>
+          </a:lnRef>
+          <a:fillRef idx="0">
+            <a:schemeClr val="accent1"/>
+          </a:fillRef>
+          <a:effectRef idx="0">
+            <a:schemeClr val="accent1"/>
+          </a:effectRef>
+          <a:fontRef idx="minor">
+            <a:schemeClr val="tx1"/>
+          </a:fontRef>
+        </p:style>
+      </p:cxnSp>
+      <p:cxnSp>
+        <p:nvCxnSpPr>
+          <p:cNvPr id="17" name="직선 화살표 연결선 16">
+            <a:extLst>
+              <a:ext uri="{FF2B5EF4-FFF2-40B4-BE49-F238E27FC236}">
+                <a16:creationId xmlns:a16="http://schemas.microsoft.com/office/drawing/2014/main" id="{66C8DD0B-3418-41CA-FF35-3196904FD471}"/>
+              </a:ext>
+            </a:extLst>
+          </p:cNvPr>
+          <p:cNvCxnSpPr>
+            <a:cxnSpLocks/>
+            <a:stCxn id="8" idx="7"/>
+            <a:endCxn id="4" idx="3"/>
+          </p:cNvCxnSpPr>
+          <p:nvPr/>
+        </p:nvCxnSpPr>
+        <p:spPr>
+          <a:xfrm flipV="1">
+            <a:off x="1488608" y="3098368"/>
+            <a:ext cx="604184" cy="471165"/>
+          </a:xfrm>
+          <a:prstGeom prst="straightConnector1">
+            <a:avLst/>
+          </a:prstGeom>
+          <a:ln>
+            <a:prstDash val="dash"/>
+            <a:headEnd type="none" w="med" len="med"/>
+            <a:tailEnd type="oval" w="lg" len="lg"/>
+          </a:ln>
+        </p:spPr>
+        <p:style>
+          <a:lnRef idx="1">
+            <a:schemeClr val="accent1"/>
+          </a:lnRef>
+          <a:fillRef idx="0">
+            <a:schemeClr val="accent1"/>
+          </a:fillRef>
+          <a:effectRef idx="0">
+            <a:schemeClr val="accent1"/>
+          </a:effectRef>
+          <a:fontRef idx="minor">
+            <a:schemeClr val="tx1"/>
+          </a:fontRef>
+        </p:style>
+      </p:cxnSp>
+      <p:cxnSp>
+        <p:nvCxnSpPr>
+          <p:cNvPr id="20" name="직선 화살표 연결선 19">
+            <a:extLst>
+              <a:ext uri="{FF2B5EF4-FFF2-40B4-BE49-F238E27FC236}">
+                <a16:creationId xmlns:a16="http://schemas.microsoft.com/office/drawing/2014/main" id="{4025C6F2-FCB3-2EC8-3DAB-B41A56BD837D}"/>
+              </a:ext>
+            </a:extLst>
+          </p:cNvPr>
+          <p:cNvCxnSpPr>
+            <a:cxnSpLocks/>
+            <a:stCxn id="4" idx="5"/>
+            <a:endCxn id="9" idx="1"/>
+          </p:cNvCxnSpPr>
+          <p:nvPr/>
+        </p:nvCxnSpPr>
+        <p:spPr>
+          <a:xfrm>
+            <a:off x="2631608" y="3098368"/>
+            <a:ext cx="676309" cy="471163"/>
+          </a:xfrm>
+          <a:prstGeom prst="straightConnector1">
+            <a:avLst/>
+          </a:prstGeom>
+          <a:ln>
+            <a:prstDash val="dash"/>
+            <a:headEnd type="none" w="med" len="med"/>
+            <a:tailEnd type="oval" w="lg" len="lg"/>
+          </a:ln>
+        </p:spPr>
+        <p:style>
+          <a:lnRef idx="1">
+            <a:schemeClr val="accent1"/>
+          </a:lnRef>
+          <a:fillRef idx="0">
+            <a:schemeClr val="accent1"/>
+          </a:fillRef>
+          <a:effectRef idx="0">
+            <a:schemeClr val="accent1"/>
+          </a:effectRef>
+          <a:fontRef idx="minor">
+            <a:schemeClr val="tx1"/>
+          </a:fontRef>
+        </p:style>
+      </p:cxnSp>
+      <p:cxnSp>
+        <p:nvCxnSpPr>
+          <p:cNvPr id="26" name="직선 화살표 연결선 25">
+            <a:extLst>
+              <a:ext uri="{FF2B5EF4-FFF2-40B4-BE49-F238E27FC236}">
+                <a16:creationId xmlns:a16="http://schemas.microsoft.com/office/drawing/2014/main" id="{629C5DF3-87BA-5875-CA1C-3340CC352EBF}"/>
+              </a:ext>
+            </a:extLst>
+          </p:cNvPr>
+          <p:cNvCxnSpPr>
+            <a:cxnSpLocks/>
+            <a:stCxn id="7" idx="7"/>
+            <a:endCxn id="6" idx="3"/>
+          </p:cNvCxnSpPr>
+          <p:nvPr/>
+        </p:nvCxnSpPr>
+        <p:spPr>
+          <a:xfrm flipV="1">
+            <a:off x="2631608" y="3098367"/>
+            <a:ext cx="676309" cy="471165"/>
+          </a:xfrm>
+          <a:prstGeom prst="straightConnector1">
+            <a:avLst/>
+          </a:prstGeom>
+          <a:ln>
+            <a:prstDash val="dash"/>
+            <a:headEnd type="none" w="med" len="med"/>
+            <a:tailEnd type="oval" w="lg" len="lg"/>
+          </a:ln>
+        </p:spPr>
+        <p:style>
+          <a:lnRef idx="1">
+            <a:schemeClr val="accent1"/>
+          </a:lnRef>
+          <a:fillRef idx="0">
+            <a:schemeClr val="accent1"/>
+          </a:fillRef>
+          <a:effectRef idx="0">
+            <a:schemeClr val="accent1"/>
+          </a:effectRef>
+          <a:fontRef idx="minor">
+            <a:schemeClr val="tx1"/>
+          </a:fontRef>
+        </p:style>
+      </p:cxnSp>
+      <p:cxnSp>
+        <p:nvCxnSpPr>
+          <p:cNvPr id="30" name="직선 화살표 연결선 29">
+            <a:extLst>
+              <a:ext uri="{FF2B5EF4-FFF2-40B4-BE49-F238E27FC236}">
+                <a16:creationId xmlns:a16="http://schemas.microsoft.com/office/drawing/2014/main" id="{7722B1CC-3FE5-3818-9E25-975154860105}"/>
+              </a:ext>
+            </a:extLst>
+          </p:cNvPr>
+          <p:cNvCxnSpPr>
+            <a:stCxn id="5" idx="6"/>
+            <a:endCxn id="4" idx="2"/>
+          </p:cNvCxnSpPr>
+          <p:nvPr/>
+        </p:nvCxnSpPr>
+        <p:spPr>
+          <a:xfrm flipV="1">
+            <a:off x="1600200" y="2886210"/>
+            <a:ext cx="381000" cy="1"/>
+          </a:xfrm>
+          <a:prstGeom prst="straightConnector1">
+            <a:avLst/>
+          </a:prstGeom>
+          <a:ln>
+            <a:tailEnd type="triangle"/>
+          </a:ln>
+        </p:spPr>
+        <p:style>
+          <a:lnRef idx="1">
+            <a:schemeClr val="accent1"/>
+          </a:lnRef>
+          <a:fillRef idx="0">
+            <a:schemeClr val="accent1"/>
+          </a:fillRef>
+          <a:effectRef idx="0">
+            <a:schemeClr val="accent1"/>
+          </a:effectRef>
+          <a:fontRef idx="minor">
+            <a:schemeClr val="tx1"/>
+          </a:fontRef>
+        </p:style>
+      </p:cxnSp>
+      <p:cxnSp>
+        <p:nvCxnSpPr>
+          <p:cNvPr id="31" name="직선 화살표 연결선 30">
+            <a:extLst>
+              <a:ext uri="{FF2B5EF4-FFF2-40B4-BE49-F238E27FC236}">
+                <a16:creationId xmlns:a16="http://schemas.microsoft.com/office/drawing/2014/main" id="{F737177E-1204-CCDA-4411-96309C7B306D}"/>
+              </a:ext>
+            </a:extLst>
+          </p:cNvPr>
+          <p:cNvCxnSpPr>
+            <a:cxnSpLocks/>
+            <a:stCxn id="4" idx="6"/>
+            <a:endCxn id="6" idx="2"/>
+          </p:cNvCxnSpPr>
+          <p:nvPr/>
+        </p:nvCxnSpPr>
+        <p:spPr>
+          <a:xfrm flipV="1">
+            <a:off x="2743200" y="2886209"/>
+            <a:ext cx="453125" cy="1"/>
+          </a:xfrm>
+          <a:prstGeom prst="straightConnector1">
+            <a:avLst/>
+          </a:prstGeom>
+          <a:ln>
+            <a:tailEnd type="triangle"/>
+          </a:ln>
+        </p:spPr>
+        <p:style>
+          <a:lnRef idx="1">
+            <a:schemeClr val="accent1"/>
+          </a:lnRef>
+          <a:fillRef idx="0">
+            <a:schemeClr val="accent1"/>
+          </a:fillRef>
+          <a:effectRef idx="0">
+            <a:schemeClr val="accent1"/>
+          </a:effectRef>
+          <a:fontRef idx="minor">
+            <a:schemeClr val="tx1"/>
+          </a:fontRef>
+        </p:style>
+      </p:cxnSp>
+      <p:cxnSp>
+        <p:nvCxnSpPr>
+          <p:cNvPr id="34" name="직선 화살표 연결선 33">
+            <a:extLst>
+              <a:ext uri="{FF2B5EF4-FFF2-40B4-BE49-F238E27FC236}">
+                <a16:creationId xmlns:a16="http://schemas.microsoft.com/office/drawing/2014/main" id="{71E38070-593F-3900-6558-60FBE1EC04A0}"/>
+              </a:ext>
+            </a:extLst>
+          </p:cNvPr>
+          <p:cNvCxnSpPr>
+            <a:cxnSpLocks/>
+            <a:stCxn id="7" idx="6"/>
+            <a:endCxn id="9" idx="2"/>
+          </p:cNvCxnSpPr>
+          <p:nvPr/>
+        </p:nvCxnSpPr>
+        <p:spPr>
+          <a:xfrm flipV="1">
+            <a:off x="2743200" y="3781690"/>
+            <a:ext cx="453125" cy="1"/>
+          </a:xfrm>
+          <a:prstGeom prst="straightConnector1">
+            <a:avLst/>
+          </a:prstGeom>
+          <a:ln>
+            <a:tailEnd type="triangle"/>
+          </a:ln>
+        </p:spPr>
+        <p:style>
+          <a:lnRef idx="1">
+            <a:schemeClr val="accent1"/>
+          </a:lnRef>
+          <a:fillRef idx="0">
+            <a:schemeClr val="accent1"/>
+          </a:fillRef>
+          <a:effectRef idx="0">
+            <a:schemeClr val="accent1"/>
+          </a:effectRef>
+          <a:fontRef idx="minor">
+            <a:schemeClr val="tx1"/>
+          </a:fontRef>
+        </p:style>
+      </p:cxnSp>
+      <p:cxnSp>
+        <p:nvCxnSpPr>
+          <p:cNvPr id="37" name="직선 화살표 연결선 36">
+            <a:extLst>
+              <a:ext uri="{FF2B5EF4-FFF2-40B4-BE49-F238E27FC236}">
+                <a16:creationId xmlns:a16="http://schemas.microsoft.com/office/drawing/2014/main" id="{FEB9AD6A-9E72-C2A4-B5CE-70F4CC0E89D0}"/>
+              </a:ext>
+            </a:extLst>
+          </p:cNvPr>
+          <p:cNvCxnSpPr>
+            <a:cxnSpLocks/>
+            <a:stCxn id="8" idx="6"/>
+            <a:endCxn id="7" idx="2"/>
+          </p:cNvCxnSpPr>
+          <p:nvPr/>
+        </p:nvCxnSpPr>
+        <p:spPr>
+          <a:xfrm flipV="1">
+            <a:off x="1600200" y="3781691"/>
+            <a:ext cx="381000" cy="1"/>
+          </a:xfrm>
+          <a:prstGeom prst="straightConnector1">
+            <a:avLst/>
+          </a:prstGeom>
+          <a:ln>
+            <a:tailEnd type="triangle"/>
+          </a:ln>
+        </p:spPr>
+        <p:style>
+          <a:lnRef idx="1">
+            <a:schemeClr val="accent1"/>
+          </a:lnRef>
+          <a:fillRef idx="0">
+            <a:schemeClr val="accent1"/>
+          </a:fillRef>
+          <a:effectRef idx="0">
+            <a:schemeClr val="accent1"/>
+          </a:effectRef>
+          <a:fontRef idx="minor">
+            <a:schemeClr val="tx1"/>
+          </a:fontRef>
+        </p:style>
+      </p:cxnSp>
+      <p:sp>
+        <p:nvSpPr>
+          <p:cNvPr id="44" name="타원 43">
+            <a:extLst>
+              <a:ext uri="{FF2B5EF4-FFF2-40B4-BE49-F238E27FC236}">
+                <a16:creationId xmlns:a16="http://schemas.microsoft.com/office/drawing/2014/main" id="{778F3B96-2389-B673-8F36-A4942C73F1C1}"/>
+              </a:ext>
+            </a:extLst>
+          </p:cNvPr>
+          <p:cNvSpPr/>
+          <p:nvPr/>
+        </p:nvSpPr>
+        <p:spPr>
+          <a:xfrm>
+            <a:off x="5695126" y="648514"/>
+            <a:ext cx="762000" cy="600075"/>
+          </a:xfrm>
+          <a:prstGeom prst="ellipse">
+            <a:avLst/>
+          </a:prstGeom>
+        </p:spPr>
+        <p:style>
+          <a:lnRef idx="1">
+            <a:schemeClr val="accent5"/>
+          </a:lnRef>
+          <a:fillRef idx="2">
+            <a:schemeClr val="accent5"/>
+          </a:fillRef>
+          <a:effectRef idx="1">
+            <a:schemeClr val="accent5"/>
+          </a:effectRef>
+          <a:fontRef idx="minor">
+            <a:schemeClr val="dk1"/>
+          </a:fontRef>
+        </p:style>
+        <p:txBody>
+          <a:bodyPr rtlCol="0" anchor="ctr"/>
+          <a:lstStyle/>
+          <a:p>
+            <a:pPr algn="ctr"/>
+            <a:r>
+              <a:rPr lang="en-US" altLang="ko-KR" dirty="0"/>
+              <a:t>P+</a:t>
+            </a:r>
+            <a:endParaRPr lang="ko-KR" altLang="en-US" dirty="0"/>
+          </a:p>
+        </p:txBody>
+      </p:sp>
+      <p:sp>
+        <p:nvSpPr>
+          <p:cNvPr id="45" name="타원 44">
+            <a:extLst>
+              <a:ext uri="{FF2B5EF4-FFF2-40B4-BE49-F238E27FC236}">
+                <a16:creationId xmlns:a16="http://schemas.microsoft.com/office/drawing/2014/main" id="{E7650D8D-729F-47F3-5FF6-9359C5D00130}"/>
+              </a:ext>
+            </a:extLst>
+          </p:cNvPr>
+          <p:cNvSpPr/>
+          <p:nvPr/>
+        </p:nvSpPr>
+        <p:spPr>
+          <a:xfrm>
+            <a:off x="4552126" y="648515"/>
+            <a:ext cx="762000" cy="600075"/>
+          </a:xfrm>
+          <a:prstGeom prst="ellipse">
+            <a:avLst/>
+          </a:prstGeom>
+        </p:spPr>
+        <p:style>
+          <a:lnRef idx="1">
+            <a:schemeClr val="accent5"/>
+          </a:lnRef>
+          <a:fillRef idx="2">
+            <a:schemeClr val="accent5"/>
+          </a:fillRef>
+          <a:effectRef idx="1">
+            <a:schemeClr val="accent5"/>
+          </a:effectRef>
+          <a:fontRef idx="minor">
+            <a:schemeClr val="dk1"/>
+          </a:fontRef>
+        </p:style>
+        <p:txBody>
+          <a:bodyPr rtlCol="0" anchor="ctr"/>
+          <a:lstStyle/>
+          <a:p>
+            <a:pPr algn="ctr"/>
+            <a:r>
+              <a:rPr lang="en-US" altLang="ko-KR" dirty="0"/>
+              <a:t>V+</a:t>
+            </a:r>
+            <a:endParaRPr lang="ko-KR" altLang="en-US" dirty="0"/>
+          </a:p>
+        </p:txBody>
+      </p:sp>
+      <p:sp>
+        <p:nvSpPr>
+          <p:cNvPr id="46" name="타원 45">
+            <a:extLst>
+              <a:ext uri="{FF2B5EF4-FFF2-40B4-BE49-F238E27FC236}">
+                <a16:creationId xmlns:a16="http://schemas.microsoft.com/office/drawing/2014/main" id="{AC989231-7947-1B51-1806-02C7EEE540A6}"/>
+              </a:ext>
+            </a:extLst>
+          </p:cNvPr>
+          <p:cNvSpPr/>
+          <p:nvPr/>
+        </p:nvSpPr>
+        <p:spPr>
+          <a:xfrm>
+            <a:off x="6910251" y="648513"/>
+            <a:ext cx="762000" cy="600075"/>
+          </a:xfrm>
+          <a:prstGeom prst="ellipse">
+            <a:avLst/>
+          </a:prstGeom>
+        </p:spPr>
+        <p:style>
+          <a:lnRef idx="1">
+            <a:schemeClr val="accent5"/>
+          </a:lnRef>
+          <a:fillRef idx="2">
+            <a:schemeClr val="accent5"/>
+          </a:fillRef>
+          <a:effectRef idx="1">
+            <a:schemeClr val="accent5"/>
+          </a:effectRef>
+          <a:fontRef idx="minor">
+            <a:schemeClr val="dk1"/>
+          </a:fontRef>
+        </p:style>
+        <p:txBody>
+          <a:bodyPr rtlCol="0" anchor="ctr"/>
+          <a:lstStyle/>
+          <a:p>
+            <a:pPr algn="ctr"/>
+            <a:r>
+              <a:rPr lang="en-US" altLang="ko-KR" dirty="0"/>
+              <a:t>S+</a:t>
+            </a:r>
+            <a:endParaRPr lang="ko-KR" altLang="en-US" dirty="0"/>
+          </a:p>
+        </p:txBody>
+      </p:sp>
+      <p:sp>
+        <p:nvSpPr>
+          <p:cNvPr id="47" name="타원 46">
+            <a:extLst>
+              <a:ext uri="{FF2B5EF4-FFF2-40B4-BE49-F238E27FC236}">
+                <a16:creationId xmlns:a16="http://schemas.microsoft.com/office/drawing/2014/main" id="{A1D4C39A-5973-0E82-A521-B862D088DEF3}"/>
+              </a:ext>
+            </a:extLst>
+          </p:cNvPr>
+          <p:cNvSpPr/>
+          <p:nvPr/>
+        </p:nvSpPr>
+        <p:spPr>
+          <a:xfrm>
+            <a:off x="5695126" y="1543995"/>
+            <a:ext cx="762000" cy="600075"/>
+          </a:xfrm>
+          <a:prstGeom prst="ellipse">
+            <a:avLst/>
+          </a:prstGeom>
+        </p:spPr>
+        <p:style>
+          <a:lnRef idx="1">
+            <a:schemeClr val="accent5"/>
+          </a:lnRef>
+          <a:fillRef idx="2">
+            <a:schemeClr val="accent5"/>
+          </a:fillRef>
+          <a:effectRef idx="1">
+            <a:schemeClr val="accent5"/>
+          </a:effectRef>
+          <a:fontRef idx="minor">
+            <a:schemeClr val="dk1"/>
+          </a:fontRef>
+        </p:style>
+        <p:txBody>
+          <a:bodyPr rtlCol="0" anchor="ctr"/>
+          <a:lstStyle/>
+          <a:p>
+            <a:pPr algn="ctr"/>
+            <a:r>
+              <a:rPr lang="en-US" altLang="ko-KR" dirty="0">
+                <a:solidFill>
+                  <a:schemeClr val="bg1">
+                    <a:lumMod val="50000"/>
+                  </a:schemeClr>
+                </a:solidFill>
+              </a:rPr>
+              <a:t>P-</a:t>
+            </a:r>
+            <a:endParaRPr lang="ko-KR" altLang="en-US" dirty="0">
+              <a:solidFill>
+                <a:schemeClr val="bg1">
+                  <a:lumMod val="50000"/>
+                </a:schemeClr>
+              </a:solidFill>
+            </a:endParaRPr>
+          </a:p>
+        </p:txBody>
+      </p:sp>
+      <p:sp>
+        <p:nvSpPr>
+          <p:cNvPr id="48" name="타원 47">
+            <a:extLst>
+              <a:ext uri="{FF2B5EF4-FFF2-40B4-BE49-F238E27FC236}">
+                <a16:creationId xmlns:a16="http://schemas.microsoft.com/office/drawing/2014/main" id="{072AE409-2D4C-F84F-7DDA-D83DE7A401BD}"/>
+              </a:ext>
+            </a:extLst>
+          </p:cNvPr>
+          <p:cNvSpPr/>
+          <p:nvPr/>
+        </p:nvSpPr>
+        <p:spPr>
+          <a:xfrm>
+            <a:off x="4552126" y="1543996"/>
+            <a:ext cx="762000" cy="600075"/>
+          </a:xfrm>
+          <a:prstGeom prst="ellipse">
+            <a:avLst/>
+          </a:prstGeom>
+        </p:spPr>
+        <p:style>
+          <a:lnRef idx="1">
+            <a:schemeClr val="accent5"/>
+          </a:lnRef>
+          <a:fillRef idx="2">
+            <a:schemeClr val="accent5"/>
+          </a:fillRef>
+          <a:effectRef idx="1">
+            <a:schemeClr val="accent5"/>
+          </a:effectRef>
+          <a:fontRef idx="minor">
+            <a:schemeClr val="dk1"/>
+          </a:fontRef>
+        </p:style>
+        <p:txBody>
+          <a:bodyPr rtlCol="0" anchor="ctr"/>
+          <a:lstStyle/>
+          <a:p>
+            <a:pPr algn="ctr"/>
+            <a:r>
+              <a:rPr lang="en-US" altLang="ko-KR" dirty="0">
+                <a:solidFill>
+                  <a:schemeClr val="bg1">
+                    <a:lumMod val="50000"/>
+                  </a:schemeClr>
+                </a:solidFill>
+              </a:rPr>
+              <a:t>V-</a:t>
+            </a:r>
+            <a:endParaRPr lang="ko-KR" altLang="en-US" dirty="0">
+              <a:solidFill>
+                <a:schemeClr val="bg1">
+                  <a:lumMod val="50000"/>
+                </a:schemeClr>
+              </a:solidFill>
+            </a:endParaRPr>
+          </a:p>
+        </p:txBody>
+      </p:sp>
+      <p:sp>
+        <p:nvSpPr>
+          <p:cNvPr id="49" name="타원 48">
+            <a:extLst>
+              <a:ext uri="{FF2B5EF4-FFF2-40B4-BE49-F238E27FC236}">
+                <a16:creationId xmlns:a16="http://schemas.microsoft.com/office/drawing/2014/main" id="{2C1E3066-6F66-446B-7628-B8ABE5CBA792}"/>
+              </a:ext>
+            </a:extLst>
+          </p:cNvPr>
+          <p:cNvSpPr/>
+          <p:nvPr/>
+        </p:nvSpPr>
+        <p:spPr>
+          <a:xfrm>
+            <a:off x="6910251" y="1543994"/>
+            <a:ext cx="762000" cy="600075"/>
+          </a:xfrm>
+          <a:prstGeom prst="ellipse">
+            <a:avLst/>
+          </a:prstGeom>
+        </p:spPr>
+        <p:style>
+          <a:lnRef idx="1">
+            <a:schemeClr val="accent5"/>
+          </a:lnRef>
+          <a:fillRef idx="2">
+            <a:schemeClr val="accent5"/>
+          </a:fillRef>
+          <a:effectRef idx="1">
+            <a:schemeClr val="accent5"/>
+          </a:effectRef>
+          <a:fontRef idx="minor">
+            <a:schemeClr val="dk1"/>
+          </a:fontRef>
+        </p:style>
+        <p:txBody>
+          <a:bodyPr rtlCol="0" anchor="ctr"/>
+          <a:lstStyle/>
+          <a:p>
+            <a:pPr algn="ctr"/>
+            <a:r>
+              <a:rPr lang="en-US" altLang="ko-KR" dirty="0">
+                <a:solidFill>
+                  <a:schemeClr val="bg1">
+                    <a:lumMod val="50000"/>
+                  </a:schemeClr>
+                </a:solidFill>
+              </a:rPr>
+              <a:t>S-</a:t>
+            </a:r>
+            <a:endParaRPr lang="ko-KR" altLang="en-US" dirty="0">
+              <a:solidFill>
+                <a:schemeClr val="bg1">
+                  <a:lumMod val="50000"/>
+                </a:schemeClr>
+              </a:solidFill>
+            </a:endParaRPr>
+          </a:p>
+        </p:txBody>
+      </p:sp>
+      <p:cxnSp>
+        <p:nvCxnSpPr>
+          <p:cNvPr id="50" name="직선 화살표 연결선 49">
+            <a:extLst>
+              <a:ext uri="{FF2B5EF4-FFF2-40B4-BE49-F238E27FC236}">
+                <a16:creationId xmlns:a16="http://schemas.microsoft.com/office/drawing/2014/main" id="{D2E0B2DB-2B59-622C-3D7E-BB9D52228577}"/>
+              </a:ext>
+            </a:extLst>
+          </p:cNvPr>
+          <p:cNvCxnSpPr>
+            <a:stCxn id="45" idx="4"/>
+            <a:endCxn id="48" idx="0"/>
+          </p:cNvCxnSpPr>
+          <p:nvPr/>
+        </p:nvCxnSpPr>
+        <p:spPr>
+          <a:xfrm>
+            <a:off x="4933126" y="1248590"/>
+            <a:ext cx="0" cy="295406"/>
+          </a:xfrm>
+          <a:prstGeom prst="straightConnector1">
+            <a:avLst/>
+          </a:prstGeom>
+          <a:ln>
+            <a:prstDash val="dash"/>
+            <a:headEnd type="oval" w="med" len="med"/>
+            <a:tailEnd type="oval" w="med" len="med"/>
+          </a:ln>
+        </p:spPr>
+        <p:style>
+          <a:lnRef idx="1">
+            <a:schemeClr val="accent1"/>
+          </a:lnRef>
+          <a:fillRef idx="0">
+            <a:schemeClr val="accent1"/>
+          </a:fillRef>
+          <a:effectRef idx="0">
+            <a:schemeClr val="accent1"/>
+          </a:effectRef>
+          <a:fontRef idx="minor">
+            <a:schemeClr val="tx1"/>
+          </a:fontRef>
+        </p:style>
+      </p:cxnSp>
+      <p:cxnSp>
+        <p:nvCxnSpPr>
+          <p:cNvPr id="51" name="직선 화살표 연결선 50">
+            <a:extLst>
+              <a:ext uri="{FF2B5EF4-FFF2-40B4-BE49-F238E27FC236}">
+                <a16:creationId xmlns:a16="http://schemas.microsoft.com/office/drawing/2014/main" id="{7C291723-B130-6250-BB62-13830DCF7CE0}"/>
+              </a:ext>
+            </a:extLst>
+          </p:cNvPr>
+          <p:cNvCxnSpPr>
+            <a:cxnSpLocks/>
+            <a:stCxn id="45" idx="5"/>
+            <a:endCxn id="47" idx="1"/>
+          </p:cNvCxnSpPr>
+          <p:nvPr/>
+        </p:nvCxnSpPr>
+        <p:spPr>
+          <a:xfrm>
+            <a:off x="5202534" y="1160711"/>
+            <a:ext cx="604184" cy="471163"/>
+          </a:xfrm>
+          <a:prstGeom prst="straightConnector1">
+            <a:avLst/>
+          </a:prstGeom>
+          <a:ln>
+            <a:prstDash val="dash"/>
+            <a:headEnd type="none" w="med" len="med"/>
+            <a:tailEnd type="oval" w="lg" len="lg"/>
+          </a:ln>
+        </p:spPr>
+        <p:style>
+          <a:lnRef idx="1">
+            <a:schemeClr val="accent1"/>
+          </a:lnRef>
+          <a:fillRef idx="0">
+            <a:schemeClr val="accent1"/>
+          </a:fillRef>
+          <a:effectRef idx="0">
+            <a:schemeClr val="accent1"/>
+          </a:effectRef>
+          <a:fontRef idx="minor">
+            <a:schemeClr val="tx1"/>
+          </a:fontRef>
+        </p:style>
+      </p:cxnSp>
+      <p:cxnSp>
+        <p:nvCxnSpPr>
+          <p:cNvPr id="52" name="직선 화살표 연결선 51">
+            <a:extLst>
+              <a:ext uri="{FF2B5EF4-FFF2-40B4-BE49-F238E27FC236}">
+                <a16:creationId xmlns:a16="http://schemas.microsoft.com/office/drawing/2014/main" id="{C2CC5FCF-A08B-6DAE-D1B2-6DBAD0501E62}"/>
+              </a:ext>
+            </a:extLst>
+          </p:cNvPr>
+          <p:cNvCxnSpPr>
+            <a:cxnSpLocks/>
+            <a:stCxn id="48" idx="7"/>
+            <a:endCxn id="44" idx="3"/>
+          </p:cNvCxnSpPr>
+          <p:nvPr/>
+        </p:nvCxnSpPr>
+        <p:spPr>
+          <a:xfrm flipV="1">
+            <a:off x="5202534" y="1160710"/>
+            <a:ext cx="604184" cy="471165"/>
+          </a:xfrm>
+          <a:prstGeom prst="straightConnector1">
+            <a:avLst/>
+          </a:prstGeom>
+          <a:ln>
+            <a:prstDash val="dash"/>
+            <a:headEnd type="none" w="med" len="med"/>
+            <a:tailEnd type="oval" w="lg" len="lg"/>
+          </a:ln>
+        </p:spPr>
+        <p:style>
+          <a:lnRef idx="1">
+            <a:schemeClr val="accent1"/>
+          </a:lnRef>
+          <a:fillRef idx="0">
+            <a:schemeClr val="accent1"/>
+          </a:fillRef>
+          <a:effectRef idx="0">
+            <a:schemeClr val="accent1"/>
+          </a:effectRef>
+          <a:fontRef idx="minor">
+            <a:schemeClr val="tx1"/>
+          </a:fontRef>
+        </p:style>
+      </p:cxnSp>
+      <p:cxnSp>
+        <p:nvCxnSpPr>
+          <p:cNvPr id="53" name="직선 화살표 연결선 52">
+            <a:extLst>
+              <a:ext uri="{FF2B5EF4-FFF2-40B4-BE49-F238E27FC236}">
+                <a16:creationId xmlns:a16="http://schemas.microsoft.com/office/drawing/2014/main" id="{AC4703D1-8E78-E49F-EA2C-88BA22CC353E}"/>
+              </a:ext>
+            </a:extLst>
+          </p:cNvPr>
+          <p:cNvCxnSpPr>
+            <a:cxnSpLocks/>
+            <a:stCxn id="44" idx="5"/>
+            <a:endCxn id="49" idx="1"/>
+          </p:cNvCxnSpPr>
+          <p:nvPr/>
+        </p:nvCxnSpPr>
+        <p:spPr>
+          <a:xfrm>
+            <a:off x="6345534" y="1160710"/>
+            <a:ext cx="676309" cy="471163"/>
+          </a:xfrm>
+          <a:prstGeom prst="straightConnector1">
+            <a:avLst/>
+          </a:prstGeom>
+          <a:ln>
+            <a:prstDash val="dash"/>
+            <a:headEnd type="none" w="med" len="med"/>
+            <a:tailEnd type="oval" w="lg" len="lg"/>
+          </a:ln>
+        </p:spPr>
+        <p:style>
+          <a:lnRef idx="1">
+            <a:schemeClr val="accent1"/>
+          </a:lnRef>
+          <a:fillRef idx="0">
+            <a:schemeClr val="accent1"/>
+          </a:fillRef>
+          <a:effectRef idx="0">
+            <a:schemeClr val="accent1"/>
+          </a:effectRef>
+          <a:fontRef idx="minor">
+            <a:schemeClr val="tx1"/>
+          </a:fontRef>
+        </p:style>
+      </p:cxnSp>
+      <p:cxnSp>
+        <p:nvCxnSpPr>
+          <p:cNvPr id="54" name="직선 화살표 연결선 53">
+            <a:extLst>
+              <a:ext uri="{FF2B5EF4-FFF2-40B4-BE49-F238E27FC236}">
+                <a16:creationId xmlns:a16="http://schemas.microsoft.com/office/drawing/2014/main" id="{B00DA6E3-E645-30ED-20B0-F8A46A3C635E}"/>
+              </a:ext>
+            </a:extLst>
+          </p:cNvPr>
+          <p:cNvCxnSpPr>
+            <a:cxnSpLocks/>
+            <a:stCxn id="47" idx="7"/>
+            <a:endCxn id="46" idx="3"/>
+          </p:cNvCxnSpPr>
+          <p:nvPr/>
+        </p:nvCxnSpPr>
+        <p:spPr>
+          <a:xfrm flipV="1">
+            <a:off x="6345534" y="1160709"/>
+            <a:ext cx="676309" cy="471165"/>
+          </a:xfrm>
+          <a:prstGeom prst="straightConnector1">
+            <a:avLst/>
+          </a:prstGeom>
+          <a:ln>
+            <a:prstDash val="dash"/>
+            <a:headEnd type="none" w="med" len="med"/>
+            <a:tailEnd type="oval" w="lg" len="lg"/>
+          </a:ln>
+        </p:spPr>
+        <p:style>
+          <a:lnRef idx="1">
+            <a:schemeClr val="accent1"/>
+          </a:lnRef>
+          <a:fillRef idx="0">
+            <a:schemeClr val="accent1"/>
+          </a:fillRef>
+          <a:effectRef idx="0">
+            <a:schemeClr val="accent1"/>
+          </a:effectRef>
+          <a:fontRef idx="minor">
+            <a:schemeClr val="tx1"/>
+          </a:fontRef>
+        </p:style>
+      </p:cxnSp>
+      <p:cxnSp>
+        <p:nvCxnSpPr>
+          <p:cNvPr id="55" name="직선 화살표 연결선 54">
+            <a:extLst>
+              <a:ext uri="{FF2B5EF4-FFF2-40B4-BE49-F238E27FC236}">
+                <a16:creationId xmlns:a16="http://schemas.microsoft.com/office/drawing/2014/main" id="{1A51FF1A-8B22-C366-F0F9-C293F05F566B}"/>
+              </a:ext>
+            </a:extLst>
+          </p:cNvPr>
+          <p:cNvCxnSpPr>
+            <a:stCxn id="45" idx="6"/>
+            <a:endCxn id="44" idx="2"/>
+          </p:cNvCxnSpPr>
+          <p:nvPr/>
+        </p:nvCxnSpPr>
+        <p:spPr>
+          <a:xfrm flipV="1">
+            <a:off x="5314126" y="948552"/>
+            <a:ext cx="381000" cy="1"/>
+          </a:xfrm>
+          <a:prstGeom prst="straightConnector1">
+            <a:avLst/>
+          </a:prstGeom>
+          <a:ln>
+            <a:tailEnd type="triangle"/>
+          </a:ln>
+        </p:spPr>
+        <p:style>
+          <a:lnRef idx="1">
+            <a:schemeClr val="accent1"/>
+          </a:lnRef>
+          <a:fillRef idx="0">
+            <a:schemeClr val="accent1"/>
+          </a:fillRef>
+          <a:effectRef idx="0">
+            <a:schemeClr val="accent1"/>
+          </a:effectRef>
+          <a:fontRef idx="minor">
+            <a:schemeClr val="tx1"/>
+          </a:fontRef>
+        </p:style>
+      </p:cxnSp>
+      <p:cxnSp>
+        <p:nvCxnSpPr>
+          <p:cNvPr id="56" name="직선 화살표 연결선 55">
+            <a:extLst>
+              <a:ext uri="{FF2B5EF4-FFF2-40B4-BE49-F238E27FC236}">
+                <a16:creationId xmlns:a16="http://schemas.microsoft.com/office/drawing/2014/main" id="{3FFC107F-ED28-DE41-3861-CC7059D5B8B1}"/>
+              </a:ext>
+            </a:extLst>
+          </p:cNvPr>
+          <p:cNvCxnSpPr>
+            <a:cxnSpLocks/>
+            <a:stCxn id="44" idx="6"/>
+            <a:endCxn id="46" idx="2"/>
+          </p:cNvCxnSpPr>
+          <p:nvPr/>
+        </p:nvCxnSpPr>
+        <p:spPr>
+          <a:xfrm flipV="1">
+            <a:off x="6457126" y="948551"/>
+            <a:ext cx="453125" cy="1"/>
+          </a:xfrm>
+          <a:prstGeom prst="straightConnector1">
+            <a:avLst/>
+          </a:prstGeom>
+          <a:ln>
+            <a:tailEnd type="triangle"/>
+          </a:ln>
+        </p:spPr>
+        <p:style>
+          <a:lnRef idx="1">
+            <a:schemeClr val="accent1"/>
+          </a:lnRef>
+          <a:fillRef idx="0">
+            <a:schemeClr val="accent1"/>
+          </a:fillRef>
+          <a:effectRef idx="0">
+            <a:schemeClr val="accent1"/>
+          </a:effectRef>
+          <a:fontRef idx="minor">
+            <a:schemeClr val="tx1"/>
+          </a:fontRef>
+        </p:style>
+      </p:cxnSp>
+      <p:cxnSp>
+        <p:nvCxnSpPr>
+          <p:cNvPr id="57" name="직선 화살표 연결선 56">
+            <a:extLst>
+              <a:ext uri="{FF2B5EF4-FFF2-40B4-BE49-F238E27FC236}">
+                <a16:creationId xmlns:a16="http://schemas.microsoft.com/office/drawing/2014/main" id="{47C3353B-A2E2-5DAF-A63B-74D14C665EDC}"/>
+              </a:ext>
+            </a:extLst>
+          </p:cNvPr>
+          <p:cNvCxnSpPr>
+            <a:cxnSpLocks/>
+            <a:stCxn id="47" idx="6"/>
+            <a:endCxn id="49" idx="2"/>
+          </p:cNvCxnSpPr>
+          <p:nvPr/>
+        </p:nvCxnSpPr>
+        <p:spPr>
+          <a:xfrm flipV="1">
+            <a:off x="6457126" y="1844032"/>
+            <a:ext cx="453125" cy="1"/>
+          </a:xfrm>
+          <a:prstGeom prst="straightConnector1">
+            <a:avLst/>
+          </a:prstGeom>
+          <a:ln>
+            <a:tailEnd type="triangle"/>
+          </a:ln>
+        </p:spPr>
+        <p:style>
+          <a:lnRef idx="1">
+            <a:schemeClr val="accent1"/>
+          </a:lnRef>
+          <a:fillRef idx="0">
+            <a:schemeClr val="accent1"/>
+          </a:fillRef>
+          <a:effectRef idx="0">
+            <a:schemeClr val="accent1"/>
+          </a:effectRef>
+          <a:fontRef idx="minor">
+            <a:schemeClr val="tx1"/>
+          </a:fontRef>
+        </p:style>
+      </p:cxnSp>
+      <p:cxnSp>
+        <p:nvCxnSpPr>
+          <p:cNvPr id="58" name="직선 화살표 연결선 57">
+            <a:extLst>
+              <a:ext uri="{FF2B5EF4-FFF2-40B4-BE49-F238E27FC236}">
+                <a16:creationId xmlns:a16="http://schemas.microsoft.com/office/drawing/2014/main" id="{0D937E2F-A67A-902E-61DB-59ADE66EC25C}"/>
+              </a:ext>
+            </a:extLst>
+          </p:cNvPr>
+          <p:cNvCxnSpPr>
+            <a:cxnSpLocks/>
+            <a:stCxn id="48" idx="6"/>
+            <a:endCxn id="47" idx="2"/>
+          </p:cNvCxnSpPr>
+          <p:nvPr/>
+        </p:nvCxnSpPr>
+        <p:spPr>
+          <a:xfrm flipV="1">
+            <a:off x="5314126" y="1844033"/>
+            <a:ext cx="381000" cy="1"/>
+          </a:xfrm>
+          <a:prstGeom prst="straightConnector1">
+            <a:avLst/>
+          </a:prstGeom>
+          <a:ln>
+            <a:tailEnd type="triangle"/>
+          </a:ln>
+        </p:spPr>
+        <p:style>
+          <a:lnRef idx="1">
+            <a:schemeClr val="accent1"/>
+          </a:lnRef>
+          <a:fillRef idx="0">
+            <a:schemeClr val="accent1"/>
+          </a:fillRef>
+          <a:effectRef idx="0">
+            <a:schemeClr val="accent1"/>
+          </a:effectRef>
+          <a:fontRef idx="minor">
+            <a:schemeClr val="tx1"/>
+          </a:fontRef>
+        </p:style>
+      </p:cxnSp>
+      <p:sp>
+        <p:nvSpPr>
+          <p:cNvPr id="59" name="타원 58">
+            <a:extLst>
+              <a:ext uri="{FF2B5EF4-FFF2-40B4-BE49-F238E27FC236}">
+                <a16:creationId xmlns:a16="http://schemas.microsoft.com/office/drawing/2014/main" id="{167884FB-7A4D-6C99-E4A0-2FBD84BA6EF2}"/>
+              </a:ext>
+            </a:extLst>
+          </p:cNvPr>
+          <p:cNvSpPr/>
+          <p:nvPr/>
+        </p:nvSpPr>
+        <p:spPr>
+          <a:xfrm>
+            <a:off x="5695126" y="4413891"/>
+            <a:ext cx="762000" cy="600075"/>
+          </a:xfrm>
+          <a:prstGeom prst="ellipse">
+            <a:avLst/>
+          </a:prstGeom>
+        </p:spPr>
+        <p:style>
+          <a:lnRef idx="1">
+            <a:schemeClr val="accent5"/>
+          </a:lnRef>
+          <a:fillRef idx="2">
+            <a:schemeClr val="accent5"/>
+          </a:fillRef>
+          <a:effectRef idx="1">
+            <a:schemeClr val="accent5"/>
+          </a:effectRef>
+          <a:fontRef idx="minor">
+            <a:schemeClr val="dk1"/>
+          </a:fontRef>
+        </p:style>
+        <p:txBody>
+          <a:bodyPr rtlCol="0" anchor="ctr"/>
+          <a:lstStyle/>
+          <a:p>
+            <a:pPr algn="ctr"/>
+            <a:r>
+              <a:rPr lang="en-US" altLang="ko-KR" dirty="0">
+                <a:solidFill>
+                  <a:schemeClr val="bg1">
+                    <a:lumMod val="50000"/>
+                  </a:schemeClr>
+                </a:solidFill>
+              </a:rPr>
+              <a:t>P+</a:t>
+            </a:r>
+            <a:endParaRPr lang="ko-KR" altLang="en-US" dirty="0">
+              <a:solidFill>
+                <a:schemeClr val="bg1">
+                  <a:lumMod val="50000"/>
+                </a:schemeClr>
+              </a:solidFill>
+            </a:endParaRPr>
+          </a:p>
+        </p:txBody>
+      </p:sp>
+      <p:sp>
+        <p:nvSpPr>
+          <p:cNvPr id="60" name="타원 59">
+            <a:extLst>
+              <a:ext uri="{FF2B5EF4-FFF2-40B4-BE49-F238E27FC236}">
+                <a16:creationId xmlns:a16="http://schemas.microsoft.com/office/drawing/2014/main" id="{E4687D0D-08D6-5D3C-9F40-5EA04121F94D}"/>
+              </a:ext>
+            </a:extLst>
+          </p:cNvPr>
+          <p:cNvSpPr/>
+          <p:nvPr/>
+        </p:nvSpPr>
+        <p:spPr>
+          <a:xfrm>
+            <a:off x="4552126" y="4413892"/>
+            <a:ext cx="762000" cy="600075"/>
+          </a:xfrm>
+          <a:prstGeom prst="ellipse">
+            <a:avLst/>
+          </a:prstGeom>
+        </p:spPr>
+        <p:style>
+          <a:lnRef idx="1">
+            <a:schemeClr val="accent5"/>
+          </a:lnRef>
+          <a:fillRef idx="2">
+            <a:schemeClr val="accent5"/>
+          </a:fillRef>
+          <a:effectRef idx="1">
+            <a:schemeClr val="accent5"/>
+          </a:effectRef>
+          <a:fontRef idx="minor">
+            <a:schemeClr val="dk1"/>
+          </a:fontRef>
+        </p:style>
+        <p:txBody>
+          <a:bodyPr rtlCol="0" anchor="ctr"/>
+          <a:lstStyle/>
+          <a:p>
+            <a:pPr algn="ctr"/>
+            <a:r>
+              <a:rPr lang="en-US" altLang="ko-KR" dirty="0">
+                <a:solidFill>
+                  <a:schemeClr val="bg1">
+                    <a:lumMod val="50000"/>
+                  </a:schemeClr>
+                </a:solidFill>
+              </a:rPr>
+              <a:t>V+</a:t>
+            </a:r>
+            <a:endParaRPr lang="ko-KR" altLang="en-US" dirty="0">
+              <a:solidFill>
+                <a:schemeClr val="bg1">
+                  <a:lumMod val="50000"/>
+                </a:schemeClr>
+              </a:solidFill>
+            </a:endParaRPr>
+          </a:p>
+        </p:txBody>
+      </p:sp>
+      <p:sp>
+        <p:nvSpPr>
+          <p:cNvPr id="61" name="타원 60">
+            <a:extLst>
+              <a:ext uri="{FF2B5EF4-FFF2-40B4-BE49-F238E27FC236}">
+                <a16:creationId xmlns:a16="http://schemas.microsoft.com/office/drawing/2014/main" id="{312DBCFA-3D82-DAD5-8297-F4299FC91000}"/>
+              </a:ext>
+            </a:extLst>
+          </p:cNvPr>
+          <p:cNvSpPr/>
+          <p:nvPr/>
+        </p:nvSpPr>
+        <p:spPr>
+          <a:xfrm>
+            <a:off x="6910251" y="4413890"/>
+            <a:ext cx="762000" cy="600075"/>
+          </a:xfrm>
+          <a:prstGeom prst="ellipse">
+            <a:avLst/>
+          </a:prstGeom>
+        </p:spPr>
+        <p:style>
+          <a:lnRef idx="1">
+            <a:schemeClr val="accent5"/>
+          </a:lnRef>
+          <a:fillRef idx="2">
+            <a:schemeClr val="accent5"/>
+          </a:fillRef>
+          <a:effectRef idx="1">
+            <a:schemeClr val="accent5"/>
+          </a:effectRef>
+          <a:fontRef idx="minor">
+            <a:schemeClr val="dk1"/>
+          </a:fontRef>
+        </p:style>
+        <p:txBody>
+          <a:bodyPr rtlCol="0" anchor="ctr"/>
+          <a:lstStyle/>
+          <a:p>
+            <a:pPr algn="ctr"/>
+            <a:r>
+              <a:rPr lang="en-US" altLang="ko-KR" dirty="0">
+                <a:solidFill>
+                  <a:schemeClr val="bg1">
+                    <a:lumMod val="50000"/>
+                  </a:schemeClr>
+                </a:solidFill>
+              </a:rPr>
+              <a:t>S+</a:t>
+            </a:r>
+            <a:endParaRPr lang="ko-KR" altLang="en-US" dirty="0">
+              <a:solidFill>
+                <a:schemeClr val="bg1">
+                  <a:lumMod val="50000"/>
+                </a:schemeClr>
+              </a:solidFill>
+            </a:endParaRPr>
+          </a:p>
+        </p:txBody>
+      </p:sp>
+      <p:sp>
+        <p:nvSpPr>
+          <p:cNvPr id="62" name="타원 61">
+            <a:extLst>
+              <a:ext uri="{FF2B5EF4-FFF2-40B4-BE49-F238E27FC236}">
+                <a16:creationId xmlns:a16="http://schemas.microsoft.com/office/drawing/2014/main" id="{69B270F1-0347-427C-03D1-5D7859F5A58E}"/>
+              </a:ext>
+            </a:extLst>
+          </p:cNvPr>
+          <p:cNvSpPr/>
+          <p:nvPr/>
+        </p:nvSpPr>
+        <p:spPr>
+          <a:xfrm>
+            <a:off x="5695126" y="5309372"/>
+            <a:ext cx="762000" cy="600075"/>
+          </a:xfrm>
+          <a:prstGeom prst="ellipse">
+            <a:avLst/>
+          </a:prstGeom>
+        </p:spPr>
+        <p:style>
+          <a:lnRef idx="1">
+            <a:schemeClr val="accent5"/>
+          </a:lnRef>
+          <a:fillRef idx="2">
+            <a:schemeClr val="accent5"/>
+          </a:fillRef>
+          <a:effectRef idx="1">
+            <a:schemeClr val="accent5"/>
+          </a:effectRef>
+          <a:fontRef idx="minor">
+            <a:schemeClr val="dk1"/>
+          </a:fontRef>
+        </p:style>
+        <p:txBody>
+          <a:bodyPr rtlCol="0" anchor="ctr"/>
+          <a:lstStyle/>
+          <a:p>
+            <a:pPr algn="ctr"/>
+            <a:r>
+              <a:rPr lang="en-US" altLang="ko-KR" dirty="0"/>
+              <a:t>P-</a:t>
+            </a:r>
+            <a:endParaRPr lang="ko-KR" altLang="en-US" dirty="0"/>
+          </a:p>
+        </p:txBody>
+      </p:sp>
+      <p:sp>
+        <p:nvSpPr>
+          <p:cNvPr id="63" name="타원 62">
+            <a:extLst>
+              <a:ext uri="{FF2B5EF4-FFF2-40B4-BE49-F238E27FC236}">
+                <a16:creationId xmlns:a16="http://schemas.microsoft.com/office/drawing/2014/main" id="{C38BC03A-A0D0-5F69-FBA9-7B099706E054}"/>
+              </a:ext>
+            </a:extLst>
+          </p:cNvPr>
+          <p:cNvSpPr/>
+          <p:nvPr/>
+        </p:nvSpPr>
+        <p:spPr>
+          <a:xfrm>
+            <a:off x="4552126" y="5309373"/>
+            <a:ext cx="762000" cy="600075"/>
+          </a:xfrm>
+          <a:prstGeom prst="ellipse">
+            <a:avLst/>
+          </a:prstGeom>
+        </p:spPr>
+        <p:style>
+          <a:lnRef idx="1">
+            <a:schemeClr val="accent5"/>
+          </a:lnRef>
+          <a:fillRef idx="2">
+            <a:schemeClr val="accent5"/>
+          </a:fillRef>
+          <a:effectRef idx="1">
+            <a:schemeClr val="accent5"/>
+          </a:effectRef>
+          <a:fontRef idx="minor">
+            <a:schemeClr val="dk1"/>
+          </a:fontRef>
+        </p:style>
+        <p:txBody>
+          <a:bodyPr rtlCol="0" anchor="ctr"/>
+          <a:lstStyle/>
+          <a:p>
+            <a:pPr algn="ctr"/>
+            <a:r>
+              <a:rPr lang="en-US" altLang="ko-KR" dirty="0"/>
+              <a:t>V-</a:t>
+            </a:r>
+            <a:endParaRPr lang="ko-KR" altLang="en-US" dirty="0"/>
+          </a:p>
+        </p:txBody>
+      </p:sp>
+      <p:sp>
+        <p:nvSpPr>
+          <p:cNvPr id="64" name="타원 63">
+            <a:extLst>
+              <a:ext uri="{FF2B5EF4-FFF2-40B4-BE49-F238E27FC236}">
+                <a16:creationId xmlns:a16="http://schemas.microsoft.com/office/drawing/2014/main" id="{06A97EEE-6928-B1E4-4B85-0D8C58997A33}"/>
+              </a:ext>
+            </a:extLst>
+          </p:cNvPr>
+          <p:cNvSpPr/>
+          <p:nvPr/>
+        </p:nvSpPr>
+        <p:spPr>
+          <a:xfrm>
+            <a:off x="6910251" y="5309371"/>
+            <a:ext cx="762000" cy="600075"/>
+          </a:xfrm>
+          <a:prstGeom prst="ellipse">
+            <a:avLst/>
+          </a:prstGeom>
+        </p:spPr>
+        <p:style>
+          <a:lnRef idx="1">
+            <a:schemeClr val="accent5"/>
+          </a:lnRef>
+          <a:fillRef idx="2">
+            <a:schemeClr val="accent5"/>
+          </a:fillRef>
+          <a:effectRef idx="1">
+            <a:schemeClr val="accent5"/>
+          </a:effectRef>
+          <a:fontRef idx="minor">
+            <a:schemeClr val="dk1"/>
+          </a:fontRef>
+        </p:style>
+        <p:txBody>
+          <a:bodyPr rtlCol="0" anchor="ctr"/>
+          <a:lstStyle/>
+          <a:p>
+            <a:pPr algn="ctr"/>
+            <a:r>
+              <a:rPr lang="en-US" altLang="ko-KR" dirty="0"/>
+              <a:t>S-</a:t>
+            </a:r>
+            <a:endParaRPr lang="ko-KR" altLang="en-US" dirty="0"/>
+          </a:p>
+        </p:txBody>
+      </p:sp>
+      <p:cxnSp>
+        <p:nvCxnSpPr>
+          <p:cNvPr id="65" name="직선 화살표 연결선 64">
+            <a:extLst>
+              <a:ext uri="{FF2B5EF4-FFF2-40B4-BE49-F238E27FC236}">
+                <a16:creationId xmlns:a16="http://schemas.microsoft.com/office/drawing/2014/main" id="{B00F6B07-3291-F207-16A3-4B966B1455DE}"/>
+              </a:ext>
+            </a:extLst>
+          </p:cNvPr>
+          <p:cNvCxnSpPr>
+            <a:stCxn id="60" idx="4"/>
+            <a:endCxn id="63" idx="0"/>
+          </p:cNvCxnSpPr>
+          <p:nvPr/>
+        </p:nvCxnSpPr>
+        <p:spPr>
+          <a:xfrm>
+            <a:off x="4933126" y="5013967"/>
+            <a:ext cx="0" cy="295406"/>
+          </a:xfrm>
+          <a:prstGeom prst="straightConnector1">
+            <a:avLst/>
+          </a:prstGeom>
+          <a:ln>
+            <a:prstDash val="dash"/>
+            <a:headEnd type="oval" w="med" len="med"/>
+            <a:tailEnd type="oval" w="med" len="med"/>
+          </a:ln>
+        </p:spPr>
+        <p:style>
+          <a:lnRef idx="1">
+            <a:schemeClr val="accent1"/>
+          </a:lnRef>
+          <a:fillRef idx="0">
+            <a:schemeClr val="accent1"/>
+          </a:fillRef>
+          <a:effectRef idx="0">
+            <a:schemeClr val="accent1"/>
+          </a:effectRef>
+          <a:fontRef idx="minor">
+            <a:schemeClr val="tx1"/>
+          </a:fontRef>
+        </p:style>
+      </p:cxnSp>
+      <p:cxnSp>
+        <p:nvCxnSpPr>
+          <p:cNvPr id="66" name="직선 화살표 연결선 65">
+            <a:extLst>
+              <a:ext uri="{FF2B5EF4-FFF2-40B4-BE49-F238E27FC236}">
+                <a16:creationId xmlns:a16="http://schemas.microsoft.com/office/drawing/2014/main" id="{8F280DC2-3D4C-0D99-0418-F41BD154C71F}"/>
+              </a:ext>
+            </a:extLst>
+          </p:cNvPr>
+          <p:cNvCxnSpPr>
+            <a:cxnSpLocks/>
+            <a:stCxn id="60" idx="5"/>
+            <a:endCxn id="62" idx="1"/>
+          </p:cNvCxnSpPr>
+          <p:nvPr/>
+        </p:nvCxnSpPr>
+        <p:spPr>
+          <a:xfrm>
+            <a:off x="5202534" y="4926088"/>
+            <a:ext cx="604184" cy="471163"/>
+          </a:xfrm>
+          <a:prstGeom prst="straightConnector1">
+            <a:avLst/>
+          </a:prstGeom>
+          <a:ln>
+            <a:prstDash val="dash"/>
+            <a:headEnd type="none" w="med" len="med"/>
+            <a:tailEnd type="oval" w="lg" len="lg"/>
+          </a:ln>
+        </p:spPr>
+        <p:style>
+          <a:lnRef idx="1">
+            <a:schemeClr val="accent1"/>
+          </a:lnRef>
+          <a:fillRef idx="0">
+            <a:schemeClr val="accent1"/>
+          </a:fillRef>
+          <a:effectRef idx="0">
+            <a:schemeClr val="accent1"/>
+          </a:effectRef>
+          <a:fontRef idx="minor">
+            <a:schemeClr val="tx1"/>
+          </a:fontRef>
+        </p:style>
+      </p:cxnSp>
+      <p:cxnSp>
+        <p:nvCxnSpPr>
+          <p:cNvPr id="67" name="직선 화살표 연결선 66">
+            <a:extLst>
+              <a:ext uri="{FF2B5EF4-FFF2-40B4-BE49-F238E27FC236}">
+                <a16:creationId xmlns:a16="http://schemas.microsoft.com/office/drawing/2014/main" id="{0E671ABA-550B-FCEC-9C77-2771B5D16F7C}"/>
+              </a:ext>
+            </a:extLst>
+          </p:cNvPr>
+          <p:cNvCxnSpPr>
+            <a:cxnSpLocks/>
+            <a:stCxn id="63" idx="7"/>
+            <a:endCxn id="59" idx="3"/>
+          </p:cNvCxnSpPr>
+          <p:nvPr/>
+        </p:nvCxnSpPr>
+        <p:spPr>
+          <a:xfrm flipV="1">
+            <a:off x="5202534" y="4926087"/>
+            <a:ext cx="604184" cy="471165"/>
+          </a:xfrm>
+          <a:prstGeom prst="straightConnector1">
+            <a:avLst/>
+          </a:prstGeom>
+          <a:ln>
+            <a:prstDash val="dash"/>
+            <a:headEnd type="none" w="med" len="med"/>
+            <a:tailEnd type="oval" w="lg" len="lg"/>
+          </a:ln>
+        </p:spPr>
+        <p:style>
+          <a:lnRef idx="1">
+            <a:schemeClr val="accent1"/>
+          </a:lnRef>
+          <a:fillRef idx="0">
+            <a:schemeClr val="accent1"/>
+          </a:fillRef>
+          <a:effectRef idx="0">
+            <a:schemeClr val="accent1"/>
+          </a:effectRef>
+          <a:fontRef idx="minor">
+            <a:schemeClr val="tx1"/>
+          </a:fontRef>
+        </p:style>
+      </p:cxnSp>
+      <p:cxnSp>
+        <p:nvCxnSpPr>
+          <p:cNvPr id="68" name="직선 화살표 연결선 67">
+            <a:extLst>
+              <a:ext uri="{FF2B5EF4-FFF2-40B4-BE49-F238E27FC236}">
+                <a16:creationId xmlns:a16="http://schemas.microsoft.com/office/drawing/2014/main" id="{5406FC96-03D1-9DD0-E38A-013E67B9A57B}"/>
+              </a:ext>
+            </a:extLst>
+          </p:cNvPr>
+          <p:cNvCxnSpPr>
+            <a:cxnSpLocks/>
+            <a:stCxn id="59" idx="5"/>
+            <a:endCxn id="64" idx="1"/>
+          </p:cNvCxnSpPr>
+          <p:nvPr/>
+        </p:nvCxnSpPr>
+        <p:spPr>
+          <a:xfrm>
+            <a:off x="6345534" y="4926087"/>
+            <a:ext cx="676309" cy="471163"/>
+          </a:xfrm>
+          <a:prstGeom prst="straightConnector1">
+            <a:avLst/>
+          </a:prstGeom>
+          <a:ln>
+            <a:prstDash val="dash"/>
+            <a:headEnd type="none" w="med" len="med"/>
+            <a:tailEnd type="oval" w="lg" len="lg"/>
+          </a:ln>
+        </p:spPr>
+        <p:style>
+          <a:lnRef idx="1">
+            <a:schemeClr val="accent1"/>
+          </a:lnRef>
+          <a:fillRef idx="0">
+            <a:schemeClr val="accent1"/>
+          </a:fillRef>
+          <a:effectRef idx="0">
+            <a:schemeClr val="accent1"/>
+          </a:effectRef>
+          <a:fontRef idx="minor">
+            <a:schemeClr val="tx1"/>
+          </a:fontRef>
+        </p:style>
+      </p:cxnSp>
+      <p:cxnSp>
+        <p:nvCxnSpPr>
+          <p:cNvPr id="69" name="직선 화살표 연결선 68">
+            <a:extLst>
+              <a:ext uri="{FF2B5EF4-FFF2-40B4-BE49-F238E27FC236}">
+                <a16:creationId xmlns:a16="http://schemas.microsoft.com/office/drawing/2014/main" id="{2A489AAD-B631-794F-54AF-53C7101EB724}"/>
+              </a:ext>
+            </a:extLst>
+          </p:cNvPr>
+          <p:cNvCxnSpPr>
+            <a:cxnSpLocks/>
+            <a:stCxn id="62" idx="7"/>
+            <a:endCxn id="61" idx="3"/>
+          </p:cNvCxnSpPr>
+          <p:nvPr/>
+        </p:nvCxnSpPr>
+        <p:spPr>
+          <a:xfrm flipV="1">
+            <a:off x="6345534" y="4926086"/>
+            <a:ext cx="676309" cy="471165"/>
+          </a:xfrm>
+          <a:prstGeom prst="straightConnector1">
+            <a:avLst/>
+          </a:prstGeom>
+          <a:ln>
+            <a:prstDash val="dash"/>
+            <a:headEnd type="none" w="med" len="med"/>
+            <a:tailEnd type="oval" w="lg" len="lg"/>
+          </a:ln>
+        </p:spPr>
+        <p:style>
+          <a:lnRef idx="1">
+            <a:schemeClr val="accent1"/>
+          </a:lnRef>
+          <a:fillRef idx="0">
+            <a:schemeClr val="accent1"/>
+          </a:fillRef>
+          <a:effectRef idx="0">
+            <a:schemeClr val="accent1"/>
+          </a:effectRef>
+          <a:fontRef idx="minor">
+            <a:schemeClr val="tx1"/>
+          </a:fontRef>
+        </p:style>
+      </p:cxnSp>
+      <p:cxnSp>
+        <p:nvCxnSpPr>
+          <p:cNvPr id="70" name="직선 화살표 연결선 69">
+            <a:extLst>
+              <a:ext uri="{FF2B5EF4-FFF2-40B4-BE49-F238E27FC236}">
+                <a16:creationId xmlns:a16="http://schemas.microsoft.com/office/drawing/2014/main" id="{F7C5FEA3-9B07-7E87-B6FC-95B50A6D664D}"/>
+              </a:ext>
+            </a:extLst>
+          </p:cNvPr>
+          <p:cNvCxnSpPr>
+            <a:stCxn id="60" idx="6"/>
+            <a:endCxn id="59" idx="2"/>
+          </p:cNvCxnSpPr>
+          <p:nvPr/>
+        </p:nvCxnSpPr>
+        <p:spPr>
+          <a:xfrm flipV="1">
+            <a:off x="5314126" y="4713929"/>
+            <a:ext cx="381000" cy="1"/>
+          </a:xfrm>
+          <a:prstGeom prst="straightConnector1">
+            <a:avLst/>
+          </a:prstGeom>
+          <a:ln>
+            <a:tailEnd type="triangle"/>
+          </a:ln>
+        </p:spPr>
+        <p:style>
+          <a:lnRef idx="1">
+            <a:schemeClr val="accent1"/>
+          </a:lnRef>
+          <a:fillRef idx="0">
+            <a:schemeClr val="accent1"/>
+          </a:fillRef>
+          <a:effectRef idx="0">
+            <a:schemeClr val="accent1"/>
+          </a:effectRef>
+          <a:fontRef idx="minor">
+            <a:schemeClr val="tx1"/>
+          </a:fontRef>
+        </p:style>
+      </p:cxnSp>
+      <p:cxnSp>
+        <p:nvCxnSpPr>
+          <p:cNvPr id="71" name="직선 화살표 연결선 70">
+            <a:extLst>
+              <a:ext uri="{FF2B5EF4-FFF2-40B4-BE49-F238E27FC236}">
+                <a16:creationId xmlns:a16="http://schemas.microsoft.com/office/drawing/2014/main" id="{455D7909-74EE-C0AD-FE8E-A402EC796267}"/>
+              </a:ext>
+            </a:extLst>
+          </p:cNvPr>
+          <p:cNvCxnSpPr>
+            <a:cxnSpLocks/>
+            <a:stCxn id="59" idx="6"/>
+            <a:endCxn id="61" idx="2"/>
+          </p:cNvCxnSpPr>
+          <p:nvPr/>
+        </p:nvCxnSpPr>
+        <p:spPr>
+          <a:xfrm flipV="1">
+            <a:off x="6457126" y="4713928"/>
+            <a:ext cx="453125" cy="1"/>
+          </a:xfrm>
+          <a:prstGeom prst="straightConnector1">
+            <a:avLst/>
+          </a:prstGeom>
+          <a:ln>
+            <a:tailEnd type="triangle"/>
+          </a:ln>
+        </p:spPr>
+        <p:style>
+          <a:lnRef idx="1">
+            <a:schemeClr val="accent1"/>
+          </a:lnRef>
+          <a:fillRef idx="0">
+            <a:schemeClr val="accent1"/>
+          </a:fillRef>
+          <a:effectRef idx="0">
+            <a:schemeClr val="accent1"/>
+          </a:effectRef>
+          <a:fontRef idx="minor">
+            <a:schemeClr val="tx1"/>
+          </a:fontRef>
+        </p:style>
+      </p:cxnSp>
+      <p:cxnSp>
+        <p:nvCxnSpPr>
+          <p:cNvPr id="72" name="직선 화살표 연결선 71">
+            <a:extLst>
+              <a:ext uri="{FF2B5EF4-FFF2-40B4-BE49-F238E27FC236}">
+                <a16:creationId xmlns:a16="http://schemas.microsoft.com/office/drawing/2014/main" id="{15DFE247-2293-B5BE-0020-F97A6083D00B}"/>
+              </a:ext>
+            </a:extLst>
+          </p:cNvPr>
+          <p:cNvCxnSpPr>
+            <a:cxnSpLocks/>
+            <a:stCxn id="62" idx="6"/>
+            <a:endCxn id="64" idx="2"/>
+          </p:cNvCxnSpPr>
+          <p:nvPr/>
+        </p:nvCxnSpPr>
+        <p:spPr>
+          <a:xfrm flipV="1">
+            <a:off x="6457126" y="5609409"/>
+            <a:ext cx="453125" cy="1"/>
+          </a:xfrm>
+          <a:prstGeom prst="straightConnector1">
+            <a:avLst/>
+          </a:prstGeom>
+          <a:ln>
+            <a:tailEnd type="triangle"/>
+          </a:ln>
+        </p:spPr>
+        <p:style>
+          <a:lnRef idx="1">
+            <a:schemeClr val="accent1"/>
+          </a:lnRef>
+          <a:fillRef idx="0">
+            <a:schemeClr val="accent1"/>
+          </a:fillRef>
+          <a:effectRef idx="0">
+            <a:schemeClr val="accent1"/>
+          </a:effectRef>
+          <a:fontRef idx="minor">
+            <a:schemeClr val="tx1"/>
+          </a:fontRef>
+        </p:style>
+      </p:cxnSp>
+      <p:cxnSp>
+        <p:nvCxnSpPr>
+          <p:cNvPr id="73" name="직선 화살표 연결선 72">
+            <a:extLst>
+              <a:ext uri="{FF2B5EF4-FFF2-40B4-BE49-F238E27FC236}">
+                <a16:creationId xmlns:a16="http://schemas.microsoft.com/office/drawing/2014/main" id="{6847AFF8-C68D-677C-5380-F941CA28FB04}"/>
+              </a:ext>
+            </a:extLst>
+          </p:cNvPr>
+          <p:cNvCxnSpPr>
+            <a:cxnSpLocks/>
+            <a:stCxn id="63" idx="6"/>
+            <a:endCxn id="62" idx="2"/>
+          </p:cNvCxnSpPr>
+          <p:nvPr/>
+        </p:nvCxnSpPr>
+        <p:spPr>
+          <a:xfrm flipV="1">
+            <a:off x="5314126" y="5609410"/>
+            <a:ext cx="381000" cy="1"/>
+          </a:xfrm>
+          <a:prstGeom prst="straightConnector1">
+            <a:avLst/>
+          </a:prstGeom>
+          <a:ln>
+            <a:tailEnd type="triangle"/>
+          </a:ln>
+        </p:spPr>
+        <p:style>
+          <a:lnRef idx="1">
+            <a:schemeClr val="accent1"/>
+          </a:lnRef>
+          <a:fillRef idx="0">
+            <a:schemeClr val="accent1"/>
+          </a:fillRef>
+          <a:effectRef idx="0">
+            <a:schemeClr val="accent1"/>
+          </a:effectRef>
+          <a:fontRef idx="minor">
+            <a:schemeClr val="tx1"/>
+          </a:fontRef>
+        </p:style>
+      </p:cxnSp>
+      <p:sp>
+        <p:nvSpPr>
+          <p:cNvPr id="74" name="타원 73">
+            <a:extLst>
+              <a:ext uri="{FF2B5EF4-FFF2-40B4-BE49-F238E27FC236}">
+                <a16:creationId xmlns:a16="http://schemas.microsoft.com/office/drawing/2014/main" id="{2587DD04-58E2-A407-2328-DDC81D66D322}"/>
+              </a:ext>
+            </a:extLst>
+          </p:cNvPr>
+          <p:cNvSpPr/>
+          <p:nvPr/>
+        </p:nvSpPr>
+        <p:spPr>
+          <a:xfrm>
+            <a:off x="9640389" y="2586170"/>
+            <a:ext cx="762000" cy="600075"/>
+          </a:xfrm>
+          <a:prstGeom prst="ellipse">
+            <a:avLst/>
+          </a:prstGeom>
+        </p:spPr>
+        <p:style>
+          <a:lnRef idx="1">
+            <a:schemeClr val="accent5"/>
+          </a:lnRef>
+          <a:fillRef idx="2">
+            <a:schemeClr val="accent5"/>
+          </a:fillRef>
+          <a:effectRef idx="1">
+            <a:schemeClr val="accent5"/>
+          </a:effectRef>
+          <a:fontRef idx="minor">
+            <a:schemeClr val="dk1"/>
+          </a:fontRef>
+        </p:style>
+        <p:txBody>
+          <a:bodyPr rtlCol="0" anchor="ctr"/>
+          <a:lstStyle/>
+          <a:p>
+            <a:pPr algn="ctr"/>
+            <a:r>
+              <a:rPr lang="en-US" altLang="ko-KR" dirty="0">
+                <a:solidFill>
+                  <a:schemeClr val="bg1">
+                    <a:lumMod val="50000"/>
+                  </a:schemeClr>
+                </a:solidFill>
+              </a:rPr>
+              <a:t>P+</a:t>
+            </a:r>
+            <a:endParaRPr lang="ko-KR" altLang="en-US" dirty="0">
+              <a:solidFill>
+                <a:schemeClr val="bg1">
+                  <a:lumMod val="50000"/>
+                </a:schemeClr>
+              </a:solidFill>
+            </a:endParaRPr>
+          </a:p>
+        </p:txBody>
+      </p:sp>
+      <p:sp>
+        <p:nvSpPr>
+          <p:cNvPr id="75" name="타원 74">
+            <a:extLst>
+              <a:ext uri="{FF2B5EF4-FFF2-40B4-BE49-F238E27FC236}">
+                <a16:creationId xmlns:a16="http://schemas.microsoft.com/office/drawing/2014/main" id="{2A5BFF0C-7DC5-CE19-DFC2-F544383762DF}"/>
+              </a:ext>
+            </a:extLst>
+          </p:cNvPr>
+          <p:cNvSpPr/>
+          <p:nvPr/>
+        </p:nvSpPr>
+        <p:spPr>
+          <a:xfrm>
+            <a:off x="8497389" y="2586171"/>
+            <a:ext cx="762000" cy="600075"/>
+          </a:xfrm>
+          <a:prstGeom prst="ellipse">
+            <a:avLst/>
+          </a:prstGeom>
+        </p:spPr>
+        <p:style>
+          <a:lnRef idx="1">
+            <a:schemeClr val="accent5"/>
+          </a:lnRef>
+          <a:fillRef idx="2">
+            <a:schemeClr val="accent5"/>
+          </a:fillRef>
+          <a:effectRef idx="1">
+            <a:schemeClr val="accent5"/>
+          </a:effectRef>
+          <a:fontRef idx="minor">
+            <a:schemeClr val="dk1"/>
+          </a:fontRef>
+        </p:style>
+        <p:txBody>
+          <a:bodyPr rtlCol="0" anchor="ctr"/>
+          <a:lstStyle/>
+          <a:p>
+            <a:pPr algn="ctr"/>
+            <a:r>
+              <a:rPr lang="en-US" altLang="ko-KR" dirty="0">
+                <a:solidFill>
+                  <a:schemeClr val="bg1">
+                    <a:lumMod val="50000"/>
+                  </a:schemeClr>
+                </a:solidFill>
+              </a:rPr>
+              <a:t>V+</a:t>
+            </a:r>
+            <a:endParaRPr lang="ko-KR" altLang="en-US" dirty="0">
+              <a:solidFill>
+                <a:schemeClr val="bg1">
+                  <a:lumMod val="50000"/>
+                </a:schemeClr>
+              </a:solidFill>
+            </a:endParaRPr>
+          </a:p>
+        </p:txBody>
+      </p:sp>
+      <p:sp>
+        <p:nvSpPr>
+          <p:cNvPr id="76" name="타원 75">
+            <a:extLst>
+              <a:ext uri="{FF2B5EF4-FFF2-40B4-BE49-F238E27FC236}">
+                <a16:creationId xmlns:a16="http://schemas.microsoft.com/office/drawing/2014/main" id="{48C9542C-20D8-6BC1-23E8-9FB0CBF2E51E}"/>
+              </a:ext>
+            </a:extLst>
+          </p:cNvPr>
+          <p:cNvSpPr/>
+          <p:nvPr/>
+        </p:nvSpPr>
+        <p:spPr>
+          <a:xfrm>
+            <a:off x="10855514" y="2586169"/>
+            <a:ext cx="762000" cy="600075"/>
+          </a:xfrm>
+          <a:prstGeom prst="ellipse">
+            <a:avLst/>
+          </a:prstGeom>
+        </p:spPr>
+        <p:style>
+          <a:lnRef idx="1">
+            <a:schemeClr val="accent5"/>
+          </a:lnRef>
+          <a:fillRef idx="2">
+            <a:schemeClr val="accent5"/>
+          </a:fillRef>
+          <a:effectRef idx="1">
+            <a:schemeClr val="accent5"/>
+          </a:effectRef>
+          <a:fontRef idx="minor">
+            <a:schemeClr val="dk1"/>
+          </a:fontRef>
+        </p:style>
+        <p:txBody>
+          <a:bodyPr rtlCol="0" anchor="ctr"/>
+          <a:lstStyle/>
+          <a:p>
+            <a:pPr algn="ctr"/>
+            <a:r>
+              <a:rPr lang="en-US" altLang="ko-KR" dirty="0">
+                <a:solidFill>
+                  <a:schemeClr val="bg1">
+                    <a:lumMod val="50000"/>
+                  </a:schemeClr>
+                </a:solidFill>
+              </a:rPr>
+              <a:t>S+</a:t>
+            </a:r>
+            <a:endParaRPr lang="ko-KR" altLang="en-US" dirty="0">
+              <a:solidFill>
+                <a:schemeClr val="bg1">
+                  <a:lumMod val="50000"/>
+                </a:schemeClr>
+              </a:solidFill>
+            </a:endParaRPr>
+          </a:p>
+        </p:txBody>
+      </p:sp>
+      <p:sp>
+        <p:nvSpPr>
+          <p:cNvPr id="77" name="타원 76">
+            <a:extLst>
+              <a:ext uri="{FF2B5EF4-FFF2-40B4-BE49-F238E27FC236}">
+                <a16:creationId xmlns:a16="http://schemas.microsoft.com/office/drawing/2014/main" id="{B381CE1F-CFE8-6B5E-B96C-1EDE1305F959}"/>
+              </a:ext>
+            </a:extLst>
+          </p:cNvPr>
+          <p:cNvSpPr/>
+          <p:nvPr/>
+        </p:nvSpPr>
+        <p:spPr>
+          <a:xfrm>
+            <a:off x="9640389" y="3481651"/>
+            <a:ext cx="762000" cy="600075"/>
+          </a:xfrm>
+          <a:prstGeom prst="ellipse">
+            <a:avLst/>
+          </a:prstGeom>
+        </p:spPr>
+        <p:style>
+          <a:lnRef idx="1">
+            <a:schemeClr val="accent5"/>
+          </a:lnRef>
+          <a:fillRef idx="2">
+            <a:schemeClr val="accent5"/>
+          </a:fillRef>
+          <a:effectRef idx="1">
+            <a:schemeClr val="accent5"/>
+          </a:effectRef>
+          <a:fontRef idx="minor">
+            <a:schemeClr val="dk1"/>
+          </a:fontRef>
+        </p:style>
+        <p:txBody>
+          <a:bodyPr rtlCol="0" anchor="ctr"/>
+          <a:lstStyle/>
+          <a:p>
+            <a:pPr algn="ctr"/>
+            <a:r>
+              <a:rPr lang="en-US" altLang="ko-KR" dirty="0"/>
+              <a:t>P-</a:t>
+            </a:r>
+            <a:endParaRPr lang="ko-KR" altLang="en-US" dirty="0"/>
+          </a:p>
+        </p:txBody>
+      </p:sp>
+      <p:sp>
+        <p:nvSpPr>
+          <p:cNvPr id="78" name="타원 77">
+            <a:extLst>
+              <a:ext uri="{FF2B5EF4-FFF2-40B4-BE49-F238E27FC236}">
+                <a16:creationId xmlns:a16="http://schemas.microsoft.com/office/drawing/2014/main" id="{299EEF49-D659-844A-0249-94FEC1BD09D6}"/>
+              </a:ext>
+            </a:extLst>
+          </p:cNvPr>
+          <p:cNvSpPr/>
+          <p:nvPr/>
+        </p:nvSpPr>
+        <p:spPr>
+          <a:xfrm>
+            <a:off x="8497389" y="3481652"/>
+            <a:ext cx="762000" cy="600075"/>
+          </a:xfrm>
+          <a:prstGeom prst="ellipse">
+            <a:avLst/>
+          </a:prstGeom>
+        </p:spPr>
+        <p:style>
+          <a:lnRef idx="1">
+            <a:schemeClr val="accent5"/>
+          </a:lnRef>
+          <a:fillRef idx="2">
+            <a:schemeClr val="accent5"/>
+          </a:fillRef>
+          <a:effectRef idx="1">
+            <a:schemeClr val="accent5"/>
+          </a:effectRef>
+          <a:fontRef idx="minor">
+            <a:schemeClr val="dk1"/>
+          </a:fontRef>
+        </p:style>
+        <p:txBody>
+          <a:bodyPr rtlCol="0" anchor="ctr"/>
+          <a:lstStyle/>
+          <a:p>
+            <a:pPr algn="ctr"/>
+            <a:r>
+              <a:rPr lang="en-US" altLang="ko-KR" dirty="0"/>
+              <a:t>V-</a:t>
+            </a:r>
+            <a:endParaRPr lang="ko-KR" altLang="en-US" dirty="0"/>
+          </a:p>
+        </p:txBody>
+      </p:sp>
+      <p:sp>
+        <p:nvSpPr>
+          <p:cNvPr id="79" name="타원 78">
+            <a:extLst>
+              <a:ext uri="{FF2B5EF4-FFF2-40B4-BE49-F238E27FC236}">
+                <a16:creationId xmlns:a16="http://schemas.microsoft.com/office/drawing/2014/main" id="{C6013D0D-E423-58AA-3935-E346EE40E724}"/>
+              </a:ext>
+            </a:extLst>
+          </p:cNvPr>
+          <p:cNvSpPr/>
+          <p:nvPr/>
+        </p:nvSpPr>
+        <p:spPr>
+          <a:xfrm>
+            <a:off x="10855514" y="3481650"/>
+            <a:ext cx="762000" cy="600075"/>
+          </a:xfrm>
+          <a:prstGeom prst="ellipse">
+            <a:avLst/>
+          </a:prstGeom>
+        </p:spPr>
+        <p:style>
+          <a:lnRef idx="1">
+            <a:schemeClr val="accent5"/>
+          </a:lnRef>
+          <a:fillRef idx="2">
+            <a:schemeClr val="accent5"/>
+          </a:fillRef>
+          <a:effectRef idx="1">
+            <a:schemeClr val="accent5"/>
+          </a:effectRef>
+          <a:fontRef idx="minor">
+            <a:schemeClr val="dk1"/>
+          </a:fontRef>
+        </p:style>
+        <p:txBody>
+          <a:bodyPr rtlCol="0" anchor="ctr"/>
+          <a:lstStyle/>
+          <a:p>
+            <a:pPr algn="ctr"/>
+            <a:r>
+              <a:rPr lang="en-US" altLang="ko-KR" dirty="0"/>
+              <a:t>S-</a:t>
+            </a:r>
+            <a:endParaRPr lang="ko-KR" altLang="en-US" dirty="0"/>
+          </a:p>
+        </p:txBody>
+      </p:sp>
+      <p:cxnSp>
+        <p:nvCxnSpPr>
+          <p:cNvPr id="80" name="직선 화살표 연결선 79">
+            <a:extLst>
+              <a:ext uri="{FF2B5EF4-FFF2-40B4-BE49-F238E27FC236}">
+                <a16:creationId xmlns:a16="http://schemas.microsoft.com/office/drawing/2014/main" id="{2DF8E605-5042-6574-F869-4643241F3C0C}"/>
+              </a:ext>
+            </a:extLst>
+          </p:cNvPr>
+          <p:cNvCxnSpPr>
+            <a:stCxn id="75" idx="4"/>
+            <a:endCxn id="78" idx="0"/>
+          </p:cNvCxnSpPr>
+          <p:nvPr/>
+        </p:nvCxnSpPr>
+        <p:spPr>
+          <a:xfrm>
+            <a:off x="8878389" y="3186246"/>
+            <a:ext cx="0" cy="295406"/>
+          </a:xfrm>
+          <a:prstGeom prst="straightConnector1">
+            <a:avLst/>
+          </a:prstGeom>
+          <a:ln>
+            <a:prstDash val="dash"/>
+            <a:headEnd type="oval" w="med" len="med"/>
+            <a:tailEnd type="oval" w="med" len="med"/>
+          </a:ln>
+        </p:spPr>
+        <p:style>
+          <a:lnRef idx="1">
+            <a:schemeClr val="accent1"/>
+          </a:lnRef>
+          <a:fillRef idx="0">
+            <a:schemeClr val="accent1"/>
+          </a:fillRef>
+          <a:effectRef idx="0">
+            <a:schemeClr val="accent1"/>
+          </a:effectRef>
+          <a:fontRef idx="minor">
+            <a:schemeClr val="tx1"/>
+          </a:fontRef>
+        </p:style>
+      </p:cxnSp>
+      <p:cxnSp>
+        <p:nvCxnSpPr>
+          <p:cNvPr id="81" name="직선 화살표 연결선 80">
+            <a:extLst>
+              <a:ext uri="{FF2B5EF4-FFF2-40B4-BE49-F238E27FC236}">
+                <a16:creationId xmlns:a16="http://schemas.microsoft.com/office/drawing/2014/main" id="{39FC0721-FF8F-1BAB-DAED-61603631C3EA}"/>
+              </a:ext>
+            </a:extLst>
+          </p:cNvPr>
+          <p:cNvCxnSpPr>
+            <a:cxnSpLocks/>
+            <a:stCxn id="75" idx="5"/>
+            <a:endCxn id="77" idx="1"/>
+          </p:cNvCxnSpPr>
+          <p:nvPr/>
+        </p:nvCxnSpPr>
+        <p:spPr>
+          <a:xfrm>
+            <a:off x="9147797" y="3098367"/>
+            <a:ext cx="604184" cy="471163"/>
+          </a:xfrm>
+          <a:prstGeom prst="straightConnector1">
+            <a:avLst/>
+          </a:prstGeom>
+          <a:ln>
+            <a:prstDash val="dash"/>
+            <a:headEnd type="none" w="med" len="med"/>
+            <a:tailEnd type="oval" w="lg" len="lg"/>
+          </a:ln>
+        </p:spPr>
+        <p:style>
+          <a:lnRef idx="1">
+            <a:schemeClr val="accent1"/>
+          </a:lnRef>
+          <a:fillRef idx="0">
+            <a:schemeClr val="accent1"/>
+          </a:fillRef>
+          <a:effectRef idx="0">
+            <a:schemeClr val="accent1"/>
+          </a:effectRef>
+          <a:fontRef idx="minor">
+            <a:schemeClr val="tx1"/>
+          </a:fontRef>
+        </p:style>
+      </p:cxnSp>
+      <p:cxnSp>
+        <p:nvCxnSpPr>
+          <p:cNvPr id="82" name="직선 화살표 연결선 81">
+            <a:extLst>
+              <a:ext uri="{FF2B5EF4-FFF2-40B4-BE49-F238E27FC236}">
+                <a16:creationId xmlns:a16="http://schemas.microsoft.com/office/drawing/2014/main" id="{1C2E77C0-0A3F-9176-A64E-6F32A904C1B3}"/>
+              </a:ext>
+            </a:extLst>
+          </p:cNvPr>
+          <p:cNvCxnSpPr>
+            <a:cxnSpLocks/>
+            <a:stCxn id="78" idx="7"/>
+            <a:endCxn id="74" idx="3"/>
+          </p:cNvCxnSpPr>
+          <p:nvPr/>
+        </p:nvCxnSpPr>
+        <p:spPr>
+          <a:xfrm flipV="1">
+            <a:off x="9147797" y="3098366"/>
+            <a:ext cx="604184" cy="471165"/>
+          </a:xfrm>
+          <a:prstGeom prst="straightConnector1">
+            <a:avLst/>
+          </a:prstGeom>
+          <a:ln>
+            <a:prstDash val="dash"/>
+            <a:headEnd type="none" w="med" len="med"/>
+            <a:tailEnd type="oval" w="lg" len="lg"/>
+          </a:ln>
+        </p:spPr>
+        <p:style>
+          <a:lnRef idx="1">
+            <a:schemeClr val="accent1"/>
+          </a:lnRef>
+          <a:fillRef idx="0">
+            <a:schemeClr val="accent1"/>
+          </a:fillRef>
+          <a:effectRef idx="0">
+            <a:schemeClr val="accent1"/>
+          </a:effectRef>
+          <a:fontRef idx="minor">
+            <a:schemeClr val="tx1"/>
+          </a:fontRef>
+        </p:style>
+      </p:cxnSp>
+      <p:cxnSp>
+        <p:nvCxnSpPr>
+          <p:cNvPr id="83" name="직선 화살표 연결선 82">
+            <a:extLst>
+              <a:ext uri="{FF2B5EF4-FFF2-40B4-BE49-F238E27FC236}">
+                <a16:creationId xmlns:a16="http://schemas.microsoft.com/office/drawing/2014/main" id="{6FF11820-CB90-A82D-0050-0B318C8D25EC}"/>
+              </a:ext>
+            </a:extLst>
+          </p:cNvPr>
+          <p:cNvCxnSpPr>
+            <a:cxnSpLocks/>
+            <a:stCxn id="74" idx="5"/>
+            <a:endCxn id="79" idx="1"/>
+          </p:cNvCxnSpPr>
+          <p:nvPr/>
+        </p:nvCxnSpPr>
+        <p:spPr>
+          <a:xfrm>
+            <a:off x="10290797" y="3098366"/>
+            <a:ext cx="676309" cy="471163"/>
+          </a:xfrm>
+          <a:prstGeom prst="straightConnector1">
+            <a:avLst/>
+          </a:prstGeom>
+          <a:ln>
+            <a:prstDash val="dash"/>
+            <a:headEnd type="none" w="med" len="med"/>
+            <a:tailEnd type="oval" w="lg" len="lg"/>
+          </a:ln>
+        </p:spPr>
+        <p:style>
+          <a:lnRef idx="1">
+            <a:schemeClr val="accent1"/>
+          </a:lnRef>
+          <a:fillRef idx="0">
+            <a:schemeClr val="accent1"/>
+          </a:fillRef>
+          <a:effectRef idx="0">
+            <a:schemeClr val="accent1"/>
+          </a:effectRef>
+          <a:fontRef idx="minor">
+            <a:schemeClr val="tx1"/>
+          </a:fontRef>
+        </p:style>
+      </p:cxnSp>
+      <p:cxnSp>
+        <p:nvCxnSpPr>
+          <p:cNvPr id="84" name="직선 화살표 연결선 83">
+            <a:extLst>
+              <a:ext uri="{FF2B5EF4-FFF2-40B4-BE49-F238E27FC236}">
+                <a16:creationId xmlns:a16="http://schemas.microsoft.com/office/drawing/2014/main" id="{58EB13D9-B563-9635-BED2-931AFDCB6C95}"/>
+              </a:ext>
+            </a:extLst>
+          </p:cNvPr>
+          <p:cNvCxnSpPr>
+            <a:cxnSpLocks/>
+            <a:stCxn id="77" idx="7"/>
+            <a:endCxn id="76" idx="3"/>
+          </p:cNvCxnSpPr>
+          <p:nvPr/>
+        </p:nvCxnSpPr>
+        <p:spPr>
+          <a:xfrm flipV="1">
+            <a:off x="10290797" y="3098365"/>
+            <a:ext cx="676309" cy="471165"/>
+          </a:xfrm>
+          <a:prstGeom prst="straightConnector1">
+            <a:avLst/>
+          </a:prstGeom>
+          <a:ln>
+            <a:prstDash val="dash"/>
+            <a:headEnd type="none" w="med" len="med"/>
+            <a:tailEnd type="oval" w="lg" len="lg"/>
+          </a:ln>
+        </p:spPr>
+        <p:style>
+          <a:lnRef idx="1">
+            <a:schemeClr val="accent1"/>
+          </a:lnRef>
+          <a:fillRef idx="0">
+            <a:schemeClr val="accent1"/>
+          </a:fillRef>
+          <a:effectRef idx="0">
+            <a:schemeClr val="accent1"/>
+          </a:effectRef>
+          <a:fontRef idx="minor">
+            <a:schemeClr val="tx1"/>
+          </a:fontRef>
+        </p:style>
+      </p:cxnSp>
+      <p:cxnSp>
+        <p:nvCxnSpPr>
+          <p:cNvPr id="85" name="직선 화살표 연결선 84">
+            <a:extLst>
+              <a:ext uri="{FF2B5EF4-FFF2-40B4-BE49-F238E27FC236}">
+                <a16:creationId xmlns:a16="http://schemas.microsoft.com/office/drawing/2014/main" id="{607AFB93-ABFA-D74A-ECAD-0D6DB9D44FF1}"/>
+              </a:ext>
+            </a:extLst>
+          </p:cNvPr>
+          <p:cNvCxnSpPr>
+            <a:stCxn id="75" idx="6"/>
+            <a:endCxn id="74" idx="2"/>
+          </p:cNvCxnSpPr>
+          <p:nvPr/>
+        </p:nvCxnSpPr>
+        <p:spPr>
+          <a:xfrm flipV="1">
+            <a:off x="9259389" y="2886208"/>
+            <a:ext cx="381000" cy="1"/>
+          </a:xfrm>
+          <a:prstGeom prst="straightConnector1">
+            <a:avLst/>
+          </a:prstGeom>
+          <a:ln>
+            <a:tailEnd type="triangle"/>
+          </a:ln>
+        </p:spPr>
+        <p:style>
+          <a:lnRef idx="1">
+            <a:schemeClr val="accent1"/>
+          </a:lnRef>
+          <a:fillRef idx="0">
+            <a:schemeClr val="accent1"/>
+          </a:fillRef>
+          <a:effectRef idx="0">
+            <a:schemeClr val="accent1"/>
+          </a:effectRef>
+          <a:fontRef idx="minor">
+            <a:schemeClr val="tx1"/>
+          </a:fontRef>
+        </p:style>
+      </p:cxnSp>
+      <p:cxnSp>
+        <p:nvCxnSpPr>
+          <p:cNvPr id="86" name="직선 화살표 연결선 85">
+            <a:extLst>
+              <a:ext uri="{FF2B5EF4-FFF2-40B4-BE49-F238E27FC236}">
+                <a16:creationId xmlns:a16="http://schemas.microsoft.com/office/drawing/2014/main" id="{51A86905-E545-7DCA-591E-AEBBE88D61F8}"/>
+              </a:ext>
+            </a:extLst>
+          </p:cNvPr>
+          <p:cNvCxnSpPr>
+            <a:cxnSpLocks/>
+            <a:stCxn id="74" idx="6"/>
+            <a:endCxn id="76" idx="2"/>
+          </p:cNvCxnSpPr>
+          <p:nvPr/>
+        </p:nvCxnSpPr>
+        <p:spPr>
+          <a:xfrm flipV="1">
+            <a:off x="10402389" y="2886207"/>
+            <a:ext cx="453125" cy="1"/>
+          </a:xfrm>
+          <a:prstGeom prst="straightConnector1">
+            <a:avLst/>
+          </a:prstGeom>
+          <a:ln>
+            <a:tailEnd type="triangle"/>
+          </a:ln>
+        </p:spPr>
+        <p:style>
+          <a:lnRef idx="1">
+            <a:schemeClr val="accent1"/>
+          </a:lnRef>
+          <a:fillRef idx="0">
+            <a:schemeClr val="accent1"/>
+          </a:fillRef>
+          <a:effectRef idx="0">
+            <a:schemeClr val="accent1"/>
+          </a:effectRef>
+          <a:fontRef idx="minor">
+            <a:schemeClr val="tx1"/>
+          </a:fontRef>
+        </p:style>
+      </p:cxnSp>
+      <p:cxnSp>
+        <p:nvCxnSpPr>
+          <p:cNvPr id="87" name="직선 화살표 연결선 86">
+            <a:extLst>
+              <a:ext uri="{FF2B5EF4-FFF2-40B4-BE49-F238E27FC236}">
+                <a16:creationId xmlns:a16="http://schemas.microsoft.com/office/drawing/2014/main" id="{3E0ACD79-F189-3F3F-A946-7FBB8343609A}"/>
+              </a:ext>
+            </a:extLst>
+          </p:cNvPr>
+          <p:cNvCxnSpPr>
+            <a:cxnSpLocks/>
+            <a:stCxn id="77" idx="6"/>
+            <a:endCxn id="79" idx="2"/>
+          </p:cNvCxnSpPr>
+          <p:nvPr/>
+        </p:nvCxnSpPr>
+        <p:spPr>
+          <a:xfrm flipV="1">
+            <a:off x="10402389" y="3781688"/>
+            <a:ext cx="453125" cy="1"/>
+          </a:xfrm>
+          <a:prstGeom prst="straightConnector1">
+            <a:avLst/>
+          </a:prstGeom>
+          <a:ln>
+            <a:tailEnd type="triangle"/>
+          </a:ln>
+        </p:spPr>
+        <p:style>
+          <a:lnRef idx="1">
+            <a:schemeClr val="accent1"/>
+          </a:lnRef>
+          <a:fillRef idx="0">
+            <a:schemeClr val="accent1"/>
+          </a:fillRef>
+          <a:effectRef idx="0">
+            <a:schemeClr val="accent1"/>
+          </a:effectRef>
+          <a:fontRef idx="minor">
+            <a:schemeClr val="tx1"/>
+          </a:fontRef>
+        </p:style>
+      </p:cxnSp>
+      <p:cxnSp>
+        <p:nvCxnSpPr>
+          <p:cNvPr id="88" name="직선 화살표 연결선 87">
+            <a:extLst>
+              <a:ext uri="{FF2B5EF4-FFF2-40B4-BE49-F238E27FC236}">
+                <a16:creationId xmlns:a16="http://schemas.microsoft.com/office/drawing/2014/main" id="{DDD2F0BF-3A30-CB6A-BD13-5D08E9920A07}"/>
+              </a:ext>
+            </a:extLst>
+          </p:cNvPr>
+          <p:cNvCxnSpPr>
+            <a:cxnSpLocks/>
+            <a:stCxn id="78" idx="6"/>
+            <a:endCxn id="77" idx="2"/>
+          </p:cNvCxnSpPr>
+          <p:nvPr/>
+        </p:nvCxnSpPr>
+        <p:spPr>
+          <a:xfrm flipV="1">
+            <a:off x="9259389" y="3781689"/>
+            <a:ext cx="381000" cy="1"/>
+          </a:xfrm>
+          <a:prstGeom prst="straightConnector1">
+            <a:avLst/>
+          </a:prstGeom>
+          <a:ln>
+            <a:tailEnd type="triangle"/>
+          </a:ln>
+        </p:spPr>
+        <p:style>
+          <a:lnRef idx="1">
+            <a:schemeClr val="accent1"/>
+          </a:lnRef>
+          <a:fillRef idx="0">
+            <a:schemeClr val="accent1"/>
+          </a:fillRef>
+          <a:effectRef idx="0">
+            <a:schemeClr val="accent1"/>
+          </a:effectRef>
+          <a:fontRef idx="minor">
+            <a:schemeClr val="tx1"/>
+          </a:fontRef>
+        </p:style>
+      </p:cxnSp>
+      <p:sp>
+        <p:nvSpPr>
+          <p:cNvPr id="89" name="TextBox 88">
+            <a:extLst>
+              <a:ext uri="{FF2B5EF4-FFF2-40B4-BE49-F238E27FC236}">
+                <a16:creationId xmlns:a16="http://schemas.microsoft.com/office/drawing/2014/main" id="{FF484400-9A3D-B307-CE42-F161575C88BF}"/>
+              </a:ext>
+            </a:extLst>
+          </p:cNvPr>
+          <p:cNvSpPr txBox="1"/>
+          <p:nvPr/>
+        </p:nvSpPr>
+        <p:spPr>
+          <a:xfrm>
+            <a:off x="2092792" y="2144069"/>
+            <a:ext cx="498855" cy="369332"/>
+          </a:xfrm>
+          <a:prstGeom prst="rect">
+            <a:avLst/>
+          </a:prstGeom>
+          <a:noFill/>
+        </p:spPr>
+        <p:txBody>
+          <a:bodyPr wrap="none" rtlCol="0">
+            <a:spAutoFit/>
+          </a:bodyPr>
+          <a:lstStyle/>
+          <a:p>
+            <a:r>
+              <a:rPr lang="en-US" altLang="ko-KR" dirty="0"/>
+              <a:t>A+</a:t>
+            </a:r>
+            <a:endParaRPr lang="ko-KR" altLang="en-US" dirty="0"/>
+          </a:p>
+        </p:txBody>
+      </p:sp>
+      <p:sp>
+        <p:nvSpPr>
+          <p:cNvPr id="90" name="TextBox 89">
+            <a:extLst>
+              <a:ext uri="{FF2B5EF4-FFF2-40B4-BE49-F238E27FC236}">
+                <a16:creationId xmlns:a16="http://schemas.microsoft.com/office/drawing/2014/main" id="{DFE2AC8D-BE91-9814-0C1D-EAF602C6C79F}"/>
+              </a:ext>
+            </a:extLst>
+          </p:cNvPr>
+          <p:cNvSpPr txBox="1"/>
+          <p:nvPr/>
+        </p:nvSpPr>
+        <p:spPr>
+          <a:xfrm>
+            <a:off x="5846679" y="131479"/>
+            <a:ext cx="498855" cy="369332"/>
+          </a:xfrm>
+          <a:prstGeom prst="rect">
+            <a:avLst/>
+          </a:prstGeom>
+          <a:noFill/>
+        </p:spPr>
+        <p:txBody>
+          <a:bodyPr wrap="none" rtlCol="0">
+            <a:spAutoFit/>
+          </a:bodyPr>
+          <a:lstStyle/>
+          <a:p>
+            <a:r>
+              <a:rPr lang="en-US" altLang="ko-KR" dirty="0"/>
+              <a:t>B+</a:t>
+            </a:r>
+            <a:endParaRPr lang="ko-KR" altLang="en-US" dirty="0"/>
+          </a:p>
+        </p:txBody>
+      </p:sp>
+      <p:sp>
+        <p:nvSpPr>
+          <p:cNvPr id="91" name="TextBox 90">
+            <a:extLst>
+              <a:ext uri="{FF2B5EF4-FFF2-40B4-BE49-F238E27FC236}">
+                <a16:creationId xmlns:a16="http://schemas.microsoft.com/office/drawing/2014/main" id="{52ED514B-5C8B-8C84-4749-0815B8A3FBC3}"/>
+              </a:ext>
+            </a:extLst>
+          </p:cNvPr>
+          <p:cNvSpPr txBox="1"/>
+          <p:nvPr/>
+        </p:nvSpPr>
+        <p:spPr>
+          <a:xfrm>
+            <a:off x="5823889" y="3859893"/>
+            <a:ext cx="431528" cy="369332"/>
+          </a:xfrm>
+          <a:prstGeom prst="rect">
+            <a:avLst/>
+          </a:prstGeom>
+          <a:noFill/>
+        </p:spPr>
+        <p:txBody>
+          <a:bodyPr wrap="none" rtlCol="0">
+            <a:spAutoFit/>
+          </a:bodyPr>
+          <a:lstStyle/>
+          <a:p>
+            <a:r>
+              <a:rPr lang="en-US" altLang="ko-KR" dirty="0"/>
+              <a:t>A-</a:t>
+            </a:r>
+            <a:endParaRPr lang="ko-KR" altLang="en-US" dirty="0"/>
+          </a:p>
+        </p:txBody>
+      </p:sp>
+      <p:sp>
+        <p:nvSpPr>
+          <p:cNvPr id="92" name="TextBox 91">
+            <a:extLst>
+              <a:ext uri="{FF2B5EF4-FFF2-40B4-BE49-F238E27FC236}">
+                <a16:creationId xmlns:a16="http://schemas.microsoft.com/office/drawing/2014/main" id="{26921DA9-6A60-9F2C-C226-D5E194806D65}"/>
+              </a:ext>
+            </a:extLst>
+          </p:cNvPr>
+          <p:cNvSpPr txBox="1"/>
+          <p:nvPr/>
+        </p:nvSpPr>
+        <p:spPr>
+          <a:xfrm>
+            <a:off x="9849780" y="2083018"/>
+            <a:ext cx="413896" cy="369332"/>
+          </a:xfrm>
+          <a:prstGeom prst="rect">
+            <a:avLst/>
+          </a:prstGeom>
+          <a:noFill/>
+        </p:spPr>
+        <p:txBody>
+          <a:bodyPr wrap="none" rtlCol="0">
+            <a:spAutoFit/>
+          </a:bodyPr>
+          <a:lstStyle/>
+          <a:p>
+            <a:r>
+              <a:rPr lang="en-US" altLang="ko-KR" dirty="0"/>
+              <a:t>B-</a:t>
+            </a:r>
+            <a:endParaRPr lang="ko-KR" altLang="en-US" dirty="0"/>
+          </a:p>
+        </p:txBody>
+      </p:sp>
+    </p:spTree>
+    <p:extLst>
+      <p:ext uri="{BB962C8B-B14F-4D97-AF65-F5344CB8AC3E}">
+        <p14:creationId xmlns:p14="http://schemas.microsoft.com/office/powerpoint/2010/main" val="2586771594"/>
+      </p:ext>
+    </p:extLst>
+  </p:cSld>
+  <p:clrMapOvr>
+    <a:masterClrMapping/>
+  </p:clrMapOvr>
+</p:sld>
+</file>
+
 <file path=ppt/theme/theme1.xml><?xml version="1.0" encoding="utf-8"?>
 <a:theme xmlns:a="http://schemas.openxmlformats.org/drawingml/2006/main" name="Office 테마">
   <a:themeElements>
